--- a/PGCLatex/Figuras/fluxo_metodologia.pptx
+++ b/PGCLatex/Figuras/fluxo_metodologia.pptx
@@ -104,6 +104,11 @@
       </a:defRPr>
     </a:lvl9pPr>
   </p:defaultTextStyle>
+  <p:extLst>
+    <p:ext uri="{EFAFB233-063F-42B5-8137-9DF3F51BA10A}">
+      <p15:sldGuideLst xmlns:p15="http://schemas.microsoft.com/office/powerpoint/2012/main"/>
+    </p:ext>
+  </p:extLst>
 </p:presentation>
 </file>
 
@@ -254,7 +259,7 @@
           <a:p>
             <a:fld id="{9E3F945B-1BDE-43BA-B043-FAF503D127FE}" type="datetimeFigureOut">
               <a:rPr lang="pt-BR" smtClean="0"/>
-              <a:t>20/04/2020</a:t>
+              <a:t>27/04/2020</a:t>
             </a:fld>
             <a:endParaRPr lang="pt-BR"/>
           </a:p>
@@ -452,7 +457,7 @@
           <a:p>
             <a:fld id="{9E3F945B-1BDE-43BA-B043-FAF503D127FE}" type="datetimeFigureOut">
               <a:rPr lang="pt-BR" smtClean="0"/>
-              <a:t>20/04/2020</a:t>
+              <a:t>27/04/2020</a:t>
             </a:fld>
             <a:endParaRPr lang="pt-BR"/>
           </a:p>
@@ -660,7 +665,7 @@
           <a:p>
             <a:fld id="{9E3F945B-1BDE-43BA-B043-FAF503D127FE}" type="datetimeFigureOut">
               <a:rPr lang="pt-BR" smtClean="0"/>
-              <a:t>20/04/2020</a:t>
+              <a:t>27/04/2020</a:t>
             </a:fld>
             <a:endParaRPr lang="pt-BR"/>
           </a:p>
@@ -858,7 +863,7 @@
           <a:p>
             <a:fld id="{9E3F945B-1BDE-43BA-B043-FAF503D127FE}" type="datetimeFigureOut">
               <a:rPr lang="pt-BR" smtClean="0"/>
-              <a:t>20/04/2020</a:t>
+              <a:t>27/04/2020</a:t>
             </a:fld>
             <a:endParaRPr lang="pt-BR"/>
           </a:p>
@@ -1133,7 +1138,7 @@
           <a:p>
             <a:fld id="{9E3F945B-1BDE-43BA-B043-FAF503D127FE}" type="datetimeFigureOut">
               <a:rPr lang="pt-BR" smtClean="0"/>
-              <a:t>20/04/2020</a:t>
+              <a:t>27/04/2020</a:t>
             </a:fld>
             <a:endParaRPr lang="pt-BR"/>
           </a:p>
@@ -1398,7 +1403,7 @@
           <a:p>
             <a:fld id="{9E3F945B-1BDE-43BA-B043-FAF503D127FE}" type="datetimeFigureOut">
               <a:rPr lang="pt-BR" smtClean="0"/>
-              <a:t>20/04/2020</a:t>
+              <a:t>27/04/2020</a:t>
             </a:fld>
             <a:endParaRPr lang="pt-BR"/>
           </a:p>
@@ -1810,7 +1815,7 @@
           <a:p>
             <a:fld id="{9E3F945B-1BDE-43BA-B043-FAF503D127FE}" type="datetimeFigureOut">
               <a:rPr lang="pt-BR" smtClean="0"/>
-              <a:t>20/04/2020</a:t>
+              <a:t>27/04/2020</a:t>
             </a:fld>
             <a:endParaRPr lang="pt-BR"/>
           </a:p>
@@ -1951,7 +1956,7 @@
           <a:p>
             <a:fld id="{9E3F945B-1BDE-43BA-B043-FAF503D127FE}" type="datetimeFigureOut">
               <a:rPr lang="pt-BR" smtClean="0"/>
-              <a:t>20/04/2020</a:t>
+              <a:t>27/04/2020</a:t>
             </a:fld>
             <a:endParaRPr lang="pt-BR"/>
           </a:p>
@@ -2064,7 +2069,7 @@
           <a:p>
             <a:fld id="{9E3F945B-1BDE-43BA-B043-FAF503D127FE}" type="datetimeFigureOut">
               <a:rPr lang="pt-BR" smtClean="0"/>
-              <a:t>20/04/2020</a:t>
+              <a:t>27/04/2020</a:t>
             </a:fld>
             <a:endParaRPr lang="pt-BR"/>
           </a:p>
@@ -2375,7 +2380,7 @@
           <a:p>
             <a:fld id="{9E3F945B-1BDE-43BA-B043-FAF503D127FE}" type="datetimeFigureOut">
               <a:rPr lang="pt-BR" smtClean="0"/>
-              <a:t>20/04/2020</a:t>
+              <a:t>27/04/2020</a:t>
             </a:fld>
             <a:endParaRPr lang="pt-BR"/>
           </a:p>
@@ -2663,7 +2668,7 @@
           <a:p>
             <a:fld id="{9E3F945B-1BDE-43BA-B043-FAF503D127FE}" type="datetimeFigureOut">
               <a:rPr lang="pt-BR" smtClean="0"/>
-              <a:t>20/04/2020</a:t>
+              <a:t>27/04/2020</a:t>
             </a:fld>
             <a:endParaRPr lang="pt-BR"/>
           </a:p>
@@ -2904,7 +2909,7 @@
           <a:p>
             <a:fld id="{9E3F945B-1BDE-43BA-B043-FAF503D127FE}" type="datetimeFigureOut">
               <a:rPr lang="pt-BR" smtClean="0"/>
-              <a:t>20/04/2020</a:t>
+              <a:t>27/04/2020</a:t>
             </a:fld>
             <a:endParaRPr lang="pt-BR"/>
           </a:p>
@@ -3335,7 +3340,7 @@
         </p:nvSpPr>
         <p:spPr>
           <a:xfrm>
-            <a:off x="798989" y="417250"/>
+            <a:off x="1099365" y="1455935"/>
             <a:ext cx="1331651" cy="763480"/>
           </a:xfrm>
           <a:prstGeom prst="rect">
@@ -3344,13 +3349,13 @@
         </p:spPr>
         <p:style>
           <a:lnRef idx="2">
-            <a:schemeClr val="accent6"/>
+            <a:schemeClr val="dk1"/>
           </a:lnRef>
           <a:fillRef idx="1">
             <a:schemeClr val="lt1"/>
           </a:fillRef>
           <a:effectRef idx="0">
-            <a:schemeClr val="accent6"/>
+            <a:schemeClr val="dk1"/>
           </a:effectRef>
           <a:fontRef idx="minor">
             <a:schemeClr val="dk1"/>
@@ -3382,7 +3387,7 @@
         </p:nvSpPr>
         <p:spPr>
           <a:xfrm>
-            <a:off x="798988" y="3373516"/>
+            <a:off x="2661836" y="3426779"/>
             <a:ext cx="1331651" cy="763480"/>
           </a:xfrm>
           <a:prstGeom prst="rect">
@@ -3391,13 +3396,13 @@
         </p:spPr>
         <p:style>
           <a:lnRef idx="2">
-            <a:schemeClr val="accent6"/>
+            <a:schemeClr val="dk1"/>
           </a:lnRef>
           <a:fillRef idx="1">
             <a:schemeClr val="lt1"/>
           </a:fillRef>
           <a:effectRef idx="0">
-            <a:schemeClr val="accent6"/>
+            <a:schemeClr val="dk1"/>
           </a:effectRef>
           <a:fontRef idx="minor">
             <a:schemeClr val="dk1"/>
@@ -3429,7 +3434,7 @@
         </p:nvSpPr>
         <p:spPr>
           <a:xfrm>
-            <a:off x="798988" y="2388094"/>
+            <a:off x="2661836" y="2441357"/>
             <a:ext cx="1331651" cy="763480"/>
           </a:xfrm>
           <a:prstGeom prst="rect">
@@ -3438,13 +3443,13 @@
         </p:spPr>
         <p:style>
           <a:lnRef idx="2">
-            <a:schemeClr val="accent6"/>
+            <a:schemeClr val="dk1"/>
           </a:lnRef>
           <a:fillRef idx="1">
             <a:schemeClr val="lt1"/>
           </a:fillRef>
           <a:effectRef idx="0">
-            <a:schemeClr val="accent6"/>
+            <a:schemeClr val="dk1"/>
           </a:effectRef>
           <a:fontRef idx="minor">
             <a:schemeClr val="dk1"/>
@@ -3476,7 +3481,7 @@
         </p:nvSpPr>
         <p:spPr>
           <a:xfrm>
-            <a:off x="790106" y="1402672"/>
+            <a:off x="2652954" y="1455935"/>
             <a:ext cx="1331651" cy="763480"/>
           </a:xfrm>
           <a:prstGeom prst="rect">
@@ -3485,13 +3490,13 @@
         </p:spPr>
         <p:style>
           <a:lnRef idx="2">
-            <a:schemeClr val="accent6"/>
+            <a:schemeClr val="dk1"/>
           </a:lnRef>
           <a:fillRef idx="1">
             <a:schemeClr val="lt1"/>
           </a:fillRef>
           <a:effectRef idx="0">
-            <a:schemeClr val="accent6"/>
+            <a:schemeClr val="dk1"/>
           </a:effectRef>
           <a:fontRef idx="minor">
             <a:schemeClr val="dk1"/>
@@ -3511,23 +3516,515 @@
       </p:sp>
       <p:cxnSp>
         <p:nvCxnSpPr>
-          <p:cNvPr id="11" name="Conector de Seta Reta 10">
-            <a:extLst>
-              <a:ext uri="{FF2B5EF4-FFF2-40B4-BE49-F238E27FC236}">
-                <a16:creationId xmlns:a16="http://schemas.microsoft.com/office/drawing/2014/main" id="{337F9D39-01A9-4AC3-9C4A-CB32699D54D2}"/>
+          <p:cNvPr id="13" name="Conector de Seta Reta 12">
+            <a:extLst>
+              <a:ext uri="{FF2B5EF4-FFF2-40B4-BE49-F238E27FC236}">
+                <a16:creationId xmlns:a16="http://schemas.microsoft.com/office/drawing/2014/main" id="{53FB01BF-EC31-4776-85C6-752E6666EC46}"/>
               </a:ext>
             </a:extLst>
           </p:cNvPr>
           <p:cNvCxnSpPr>
-            <a:stCxn id="6" idx="2"/>
-            <a:endCxn id="9" idx="0"/>
+            <a:stCxn id="9" idx="2"/>
+            <a:endCxn id="8" idx="0"/>
           </p:cNvCxnSpPr>
           <p:nvPr/>
         </p:nvCxnSpPr>
         <p:spPr>
-          <a:xfrm flipH="1">
-            <a:off x="1455932" y="1180730"/>
-            <a:ext cx="8883" cy="221942"/>
+          <a:xfrm>
+            <a:off x="3318780" y="2219415"/>
+            <a:ext cx="8882" cy="221942"/>
+          </a:xfrm>
+          <a:prstGeom prst="straightConnector1">
+            <a:avLst/>
+          </a:prstGeom>
+          <a:ln>
+            <a:tailEnd type="triangle"/>
+          </a:ln>
+        </p:spPr>
+        <p:style>
+          <a:lnRef idx="2">
+            <a:schemeClr val="dk1"/>
+          </a:lnRef>
+          <a:fillRef idx="1">
+            <a:schemeClr val="lt1"/>
+          </a:fillRef>
+          <a:effectRef idx="0">
+            <a:schemeClr val="dk1"/>
+          </a:effectRef>
+          <a:fontRef idx="minor">
+            <a:schemeClr val="dk1"/>
+          </a:fontRef>
+        </p:style>
+      </p:cxnSp>
+      <p:cxnSp>
+        <p:nvCxnSpPr>
+          <p:cNvPr id="15" name="Conector de Seta Reta 14">
+            <a:extLst>
+              <a:ext uri="{FF2B5EF4-FFF2-40B4-BE49-F238E27FC236}">
+                <a16:creationId xmlns:a16="http://schemas.microsoft.com/office/drawing/2014/main" id="{7D0BA2B8-A77B-45BC-AFAD-D208829AAE2A}"/>
+              </a:ext>
+            </a:extLst>
+          </p:cNvPr>
+          <p:cNvCxnSpPr>
+            <a:cxnSpLocks/>
+            <a:stCxn id="8" idx="2"/>
+            <a:endCxn id="7" idx="0"/>
+          </p:cNvCxnSpPr>
+          <p:nvPr/>
+        </p:nvCxnSpPr>
+        <p:spPr>
+          <a:xfrm>
+            <a:off x="3327662" y="3204837"/>
+            <a:ext cx="0" cy="221942"/>
+          </a:xfrm>
+          <a:prstGeom prst="straightConnector1">
+            <a:avLst/>
+          </a:prstGeom>
+          <a:ln>
+            <a:tailEnd type="triangle"/>
+          </a:ln>
+        </p:spPr>
+        <p:style>
+          <a:lnRef idx="2">
+            <a:schemeClr val="dk1"/>
+          </a:lnRef>
+          <a:fillRef idx="1">
+            <a:schemeClr val="lt1"/>
+          </a:fillRef>
+          <a:effectRef idx="0">
+            <a:schemeClr val="dk1"/>
+          </a:effectRef>
+          <a:fontRef idx="minor">
+            <a:schemeClr val="dk1"/>
+          </a:fontRef>
+        </p:style>
+      </p:cxnSp>
+      <p:sp>
+        <p:nvSpPr>
+          <p:cNvPr id="24" name="Retângulo 23">
+            <a:extLst>
+              <a:ext uri="{FF2B5EF4-FFF2-40B4-BE49-F238E27FC236}">
+                <a16:creationId xmlns:a16="http://schemas.microsoft.com/office/drawing/2014/main" id="{2C6B80AE-9275-40C2-B262-87EC41C53BF3}"/>
+              </a:ext>
+            </a:extLst>
+          </p:cNvPr>
+          <p:cNvSpPr/>
+          <p:nvPr/>
+        </p:nvSpPr>
+        <p:spPr>
+          <a:xfrm>
+            <a:off x="1099365" y="3426779"/>
+            <a:ext cx="1331651" cy="763480"/>
+          </a:xfrm>
+          <a:prstGeom prst="rect">
+            <a:avLst/>
+          </a:prstGeom>
+        </p:spPr>
+        <p:style>
+          <a:lnRef idx="2">
+            <a:schemeClr val="dk1"/>
+          </a:lnRef>
+          <a:fillRef idx="1">
+            <a:schemeClr val="lt1"/>
+          </a:fillRef>
+          <a:effectRef idx="0">
+            <a:schemeClr val="dk1"/>
+          </a:effectRef>
+          <a:fontRef idx="minor">
+            <a:schemeClr val="dk1"/>
+          </a:fontRef>
+        </p:style>
+        <p:txBody>
+          <a:bodyPr rtlCol="0" anchor="ctr"/>
+          <a:lstStyle/>
+          <a:p>
+            <a:pPr algn="ctr"/>
+            <a:r>
+              <a:rPr lang="pt-BR" dirty="0"/>
+              <a:t>Calcula IDF</a:t>
+            </a:r>
+          </a:p>
+        </p:txBody>
+      </p:sp>
+      <p:sp>
+        <p:nvSpPr>
+          <p:cNvPr id="29" name="Retângulo 28">
+            <a:extLst>
+              <a:ext uri="{FF2B5EF4-FFF2-40B4-BE49-F238E27FC236}">
+                <a16:creationId xmlns:a16="http://schemas.microsoft.com/office/drawing/2014/main" id="{290C8B70-9077-4C38-8120-09503468C2BA}"/>
+              </a:ext>
+            </a:extLst>
+          </p:cNvPr>
+          <p:cNvSpPr/>
+          <p:nvPr/>
+        </p:nvSpPr>
+        <p:spPr>
+          <a:xfrm>
+            <a:off x="1876159" y="4403323"/>
+            <a:ext cx="1331651" cy="763480"/>
+          </a:xfrm>
+          <a:prstGeom prst="rect">
+            <a:avLst/>
+          </a:prstGeom>
+        </p:spPr>
+        <p:style>
+          <a:lnRef idx="2">
+            <a:schemeClr val="dk1"/>
+          </a:lnRef>
+          <a:fillRef idx="1">
+            <a:schemeClr val="lt1"/>
+          </a:fillRef>
+          <a:effectRef idx="0">
+            <a:schemeClr val="dk1"/>
+          </a:effectRef>
+          <a:fontRef idx="minor">
+            <a:schemeClr val="dk1"/>
+          </a:fontRef>
+        </p:style>
+        <p:txBody>
+          <a:bodyPr rtlCol="0" anchor="ctr"/>
+          <a:lstStyle/>
+          <a:p>
+            <a:pPr algn="ctr"/>
+            <a:r>
+              <a:rPr lang="pt-BR" dirty="0"/>
+              <a:t>TFIDF</a:t>
+            </a:r>
+          </a:p>
+        </p:txBody>
+      </p:sp>
+      <p:sp>
+        <p:nvSpPr>
+          <p:cNvPr id="40" name="Retângulo 39">
+            <a:extLst>
+              <a:ext uri="{FF2B5EF4-FFF2-40B4-BE49-F238E27FC236}">
+                <a16:creationId xmlns:a16="http://schemas.microsoft.com/office/drawing/2014/main" id="{D1F65E83-DBB1-450F-BE8C-68A0EF80CE1B}"/>
+              </a:ext>
+            </a:extLst>
+          </p:cNvPr>
+          <p:cNvSpPr/>
+          <p:nvPr/>
+        </p:nvSpPr>
+        <p:spPr>
+          <a:xfrm>
+            <a:off x="4233186" y="1455935"/>
+            <a:ext cx="1331651" cy="763480"/>
+          </a:xfrm>
+          <a:prstGeom prst="rect">
+            <a:avLst/>
+          </a:prstGeom>
+        </p:spPr>
+        <p:style>
+          <a:lnRef idx="2">
+            <a:schemeClr val="dk1"/>
+          </a:lnRef>
+          <a:fillRef idx="1">
+            <a:schemeClr val="lt1"/>
+          </a:fillRef>
+          <a:effectRef idx="0">
+            <a:schemeClr val="dk1"/>
+          </a:effectRef>
+          <a:fontRef idx="minor">
+            <a:schemeClr val="dk1"/>
+          </a:fontRef>
+        </p:style>
+        <p:txBody>
+          <a:bodyPr rtlCol="0" anchor="ctr"/>
+          <a:lstStyle/>
+          <a:p>
+            <a:pPr algn="ctr"/>
+            <a:r>
+              <a:rPr lang="pt-BR" dirty="0"/>
+              <a:t>Texto-Avaliado</a:t>
+            </a:r>
+          </a:p>
+        </p:txBody>
+      </p:sp>
+      <p:cxnSp>
+        <p:nvCxnSpPr>
+          <p:cNvPr id="23" name="Conector de Seta Reta 22">
+            <a:extLst>
+              <a:ext uri="{FF2B5EF4-FFF2-40B4-BE49-F238E27FC236}">
+                <a16:creationId xmlns:a16="http://schemas.microsoft.com/office/drawing/2014/main" id="{E4CACFE5-790A-4D44-B610-78CA7BCFC0B8}"/>
+              </a:ext>
+            </a:extLst>
+          </p:cNvPr>
+          <p:cNvCxnSpPr>
+            <a:cxnSpLocks/>
+            <a:stCxn id="6" idx="2"/>
+            <a:endCxn id="24" idx="0"/>
+          </p:cNvCxnSpPr>
+          <p:nvPr/>
+        </p:nvCxnSpPr>
+        <p:spPr>
+          <a:xfrm>
+            <a:off x="1765191" y="2219415"/>
+            <a:ext cx="0" cy="1207364"/>
+          </a:xfrm>
+          <a:prstGeom prst="straightConnector1">
+            <a:avLst/>
+          </a:prstGeom>
+          <a:ln>
+            <a:tailEnd type="triangle"/>
+          </a:ln>
+        </p:spPr>
+        <p:style>
+          <a:lnRef idx="2">
+            <a:schemeClr val="dk1"/>
+          </a:lnRef>
+          <a:fillRef idx="1">
+            <a:schemeClr val="lt1"/>
+          </a:fillRef>
+          <a:effectRef idx="0">
+            <a:schemeClr val="dk1"/>
+          </a:effectRef>
+          <a:fontRef idx="minor">
+            <a:schemeClr val="dk1"/>
+          </a:fontRef>
+        </p:style>
+      </p:cxnSp>
+      <p:cxnSp>
+        <p:nvCxnSpPr>
+          <p:cNvPr id="44" name="Conector de Seta Reta 43">
+            <a:extLst>
+              <a:ext uri="{FF2B5EF4-FFF2-40B4-BE49-F238E27FC236}">
+                <a16:creationId xmlns:a16="http://schemas.microsoft.com/office/drawing/2014/main" id="{740ABD1D-8A3A-4618-8A77-45359676A96E}"/>
+              </a:ext>
+            </a:extLst>
+          </p:cNvPr>
+          <p:cNvCxnSpPr>
+            <a:cxnSpLocks/>
+            <a:stCxn id="6" idx="3"/>
+            <a:endCxn id="9" idx="1"/>
+          </p:cNvCxnSpPr>
+          <p:nvPr/>
+        </p:nvCxnSpPr>
+        <p:spPr>
+          <a:xfrm>
+            <a:off x="2431016" y="1837675"/>
+            <a:ext cx="221938" cy="0"/>
+          </a:xfrm>
+          <a:prstGeom prst="straightConnector1">
+            <a:avLst/>
+          </a:prstGeom>
+          <a:ln>
+            <a:tailEnd type="triangle"/>
+          </a:ln>
+        </p:spPr>
+        <p:style>
+          <a:lnRef idx="2">
+            <a:schemeClr val="dk1"/>
+          </a:lnRef>
+          <a:fillRef idx="1">
+            <a:schemeClr val="lt1"/>
+          </a:fillRef>
+          <a:effectRef idx="0">
+            <a:schemeClr val="dk1"/>
+          </a:effectRef>
+          <a:fontRef idx="minor">
+            <a:schemeClr val="dk1"/>
+          </a:fontRef>
+        </p:style>
+      </p:cxnSp>
+      <p:cxnSp>
+        <p:nvCxnSpPr>
+          <p:cNvPr id="55" name="Conector: Angulado 54">
+            <a:extLst>
+              <a:ext uri="{FF2B5EF4-FFF2-40B4-BE49-F238E27FC236}">
+                <a16:creationId xmlns:a16="http://schemas.microsoft.com/office/drawing/2014/main" id="{8704D496-DBCB-434B-831E-722F318B6636}"/>
+              </a:ext>
+            </a:extLst>
+          </p:cNvPr>
+          <p:cNvCxnSpPr>
+            <a:stCxn id="24" idx="2"/>
+            <a:endCxn id="29" idx="0"/>
+          </p:cNvCxnSpPr>
+          <p:nvPr/>
+        </p:nvCxnSpPr>
+        <p:spPr>
+          <a:xfrm rot="16200000" flipH="1">
+            <a:off x="2047056" y="3908394"/>
+            <a:ext cx="213064" cy="776794"/>
+          </a:xfrm>
+          <a:prstGeom prst="bentConnector3">
+            <a:avLst/>
+          </a:prstGeom>
+          <a:ln>
+            <a:tailEnd type="triangle"/>
+          </a:ln>
+        </p:spPr>
+        <p:style>
+          <a:lnRef idx="2">
+            <a:schemeClr val="dk1"/>
+          </a:lnRef>
+          <a:fillRef idx="1">
+            <a:schemeClr val="lt1"/>
+          </a:fillRef>
+          <a:effectRef idx="0">
+            <a:schemeClr val="dk1"/>
+          </a:effectRef>
+          <a:fontRef idx="minor">
+            <a:schemeClr val="dk1"/>
+          </a:fontRef>
+        </p:style>
+      </p:cxnSp>
+      <p:cxnSp>
+        <p:nvCxnSpPr>
+          <p:cNvPr id="58" name="Conector: Angulado 57">
+            <a:extLst>
+              <a:ext uri="{FF2B5EF4-FFF2-40B4-BE49-F238E27FC236}">
+                <a16:creationId xmlns:a16="http://schemas.microsoft.com/office/drawing/2014/main" id="{9A66C921-9523-4E6B-8643-A513C6855113}"/>
+              </a:ext>
+            </a:extLst>
+          </p:cNvPr>
+          <p:cNvCxnSpPr>
+            <a:cxnSpLocks/>
+            <a:stCxn id="7" idx="2"/>
+            <a:endCxn id="29" idx="0"/>
+          </p:cNvCxnSpPr>
+          <p:nvPr/>
+        </p:nvCxnSpPr>
+        <p:spPr>
+          <a:xfrm rot="5400000">
+            <a:off x="2828292" y="3903953"/>
+            <a:ext cx="213064" cy="785677"/>
+          </a:xfrm>
+          <a:prstGeom prst="bentConnector3">
+            <a:avLst/>
+          </a:prstGeom>
+          <a:ln>
+            <a:tailEnd type="triangle"/>
+          </a:ln>
+        </p:spPr>
+        <p:style>
+          <a:lnRef idx="2">
+            <a:schemeClr val="dk1"/>
+          </a:lnRef>
+          <a:fillRef idx="1">
+            <a:schemeClr val="lt1"/>
+          </a:fillRef>
+          <a:effectRef idx="0">
+            <a:schemeClr val="dk1"/>
+          </a:effectRef>
+          <a:fontRef idx="minor">
+            <a:schemeClr val="dk1"/>
+          </a:fontRef>
+        </p:style>
+      </p:cxnSp>
+      <p:sp>
+        <p:nvSpPr>
+          <p:cNvPr id="81" name="Retângulo 80">
+            <a:extLst>
+              <a:ext uri="{FF2B5EF4-FFF2-40B4-BE49-F238E27FC236}">
+                <a16:creationId xmlns:a16="http://schemas.microsoft.com/office/drawing/2014/main" id="{F0304942-8008-4DDE-AF4A-10E83B1222A1}"/>
+              </a:ext>
+            </a:extLst>
+          </p:cNvPr>
+          <p:cNvSpPr/>
+          <p:nvPr/>
+        </p:nvSpPr>
+        <p:spPr>
+          <a:xfrm>
+            <a:off x="1099365" y="479391"/>
+            <a:ext cx="1331651" cy="763480"/>
+          </a:xfrm>
+          <a:prstGeom prst="rect">
+            <a:avLst/>
+          </a:prstGeom>
+        </p:spPr>
+        <p:style>
+          <a:lnRef idx="2">
+            <a:schemeClr val="dk1"/>
+          </a:lnRef>
+          <a:fillRef idx="1">
+            <a:schemeClr val="lt1"/>
+          </a:fillRef>
+          <a:effectRef idx="0">
+            <a:schemeClr val="dk1"/>
+          </a:effectRef>
+          <a:fontRef idx="minor">
+            <a:schemeClr val="dk1"/>
+          </a:fontRef>
+        </p:style>
+        <p:txBody>
+          <a:bodyPr rtlCol="0" anchor="ctr"/>
+          <a:lstStyle/>
+          <a:p>
+            <a:pPr algn="ctr"/>
+            <a:r>
+              <a:rPr lang="pt-BR" dirty="0"/>
+              <a:t>Dissertação</a:t>
+            </a:r>
+          </a:p>
+        </p:txBody>
+      </p:sp>
+      <p:sp>
+        <p:nvSpPr>
+          <p:cNvPr id="82" name="Retângulo 81">
+            <a:extLst>
+              <a:ext uri="{FF2B5EF4-FFF2-40B4-BE49-F238E27FC236}">
+                <a16:creationId xmlns:a16="http://schemas.microsoft.com/office/drawing/2014/main" id="{FCBD361E-1E8C-48EF-A6A1-412CF57E5F71}"/>
+              </a:ext>
+            </a:extLst>
+          </p:cNvPr>
+          <p:cNvSpPr/>
+          <p:nvPr/>
+        </p:nvSpPr>
+        <p:spPr>
+          <a:xfrm>
+            <a:off x="4233186" y="479391"/>
+            <a:ext cx="1331651" cy="763480"/>
+          </a:xfrm>
+          <a:prstGeom prst="rect">
+            <a:avLst/>
+          </a:prstGeom>
+        </p:spPr>
+        <p:style>
+          <a:lnRef idx="2">
+            <a:schemeClr val="dk1"/>
+          </a:lnRef>
+          <a:fillRef idx="1">
+            <a:schemeClr val="lt1"/>
+          </a:fillRef>
+          <a:effectRef idx="0">
+            <a:schemeClr val="dk1"/>
+          </a:effectRef>
+          <a:fontRef idx="minor">
+            <a:schemeClr val="dk1"/>
+          </a:fontRef>
+        </p:style>
+        <p:txBody>
+          <a:bodyPr rtlCol="0" anchor="ctr"/>
+          <a:lstStyle/>
+          <a:p>
+            <a:pPr algn="ctr"/>
+            <a:r>
+              <a:rPr lang="pt-BR" dirty="0"/>
+              <a:t>Artigo</a:t>
+            </a:r>
+          </a:p>
+        </p:txBody>
+      </p:sp>
+      <p:cxnSp>
+        <p:nvCxnSpPr>
+          <p:cNvPr id="84" name="Conector de Seta Reta 83">
+            <a:extLst>
+              <a:ext uri="{FF2B5EF4-FFF2-40B4-BE49-F238E27FC236}">
+                <a16:creationId xmlns:a16="http://schemas.microsoft.com/office/drawing/2014/main" id="{B123DB5F-3C2D-48AC-AFBB-27AADDD2F6B4}"/>
+              </a:ext>
+            </a:extLst>
+          </p:cNvPr>
+          <p:cNvCxnSpPr>
+            <a:cxnSpLocks/>
+            <a:stCxn id="82" idx="2"/>
+            <a:endCxn id="40" idx="0"/>
+          </p:cNvCxnSpPr>
+          <p:nvPr/>
+        </p:nvCxnSpPr>
+        <p:spPr>
+          <a:xfrm>
+            <a:off x="4899012" y="1242871"/>
+            <a:ext cx="0" cy="213064"/>
           </a:xfrm>
           <a:prstGeom prst="straightConnector1">
             <a:avLst/>
@@ -3553,23 +4050,24 @@
       </p:cxnSp>
       <p:cxnSp>
         <p:nvCxnSpPr>
-          <p:cNvPr id="13" name="Conector de Seta Reta 12">
-            <a:extLst>
-              <a:ext uri="{FF2B5EF4-FFF2-40B4-BE49-F238E27FC236}">
-                <a16:creationId xmlns:a16="http://schemas.microsoft.com/office/drawing/2014/main" id="{53FB01BF-EC31-4776-85C6-752E6666EC46}"/>
+          <p:cNvPr id="86" name="Conector de Seta Reta 85">
+            <a:extLst>
+              <a:ext uri="{FF2B5EF4-FFF2-40B4-BE49-F238E27FC236}">
+                <a16:creationId xmlns:a16="http://schemas.microsoft.com/office/drawing/2014/main" id="{22E354DD-521E-4480-A348-54E96C7A87CA}"/>
               </a:ext>
             </a:extLst>
           </p:cNvPr>
           <p:cNvCxnSpPr>
-            <a:stCxn id="9" idx="2"/>
-            <a:endCxn id="8" idx="0"/>
+            <a:cxnSpLocks/>
+            <a:stCxn id="81" idx="2"/>
+            <a:endCxn id="6" idx="0"/>
           </p:cNvCxnSpPr>
           <p:nvPr/>
         </p:nvCxnSpPr>
         <p:spPr>
           <a:xfrm>
-            <a:off x="1455932" y="2166152"/>
-            <a:ext cx="8882" cy="221942"/>
+            <a:off x="1765191" y="1242871"/>
+            <a:ext cx="0" cy="213064"/>
           </a:xfrm>
           <a:prstGeom prst="straightConnector1">
             <a:avLst/>
@@ -3595,23 +4093,23 @@
       </p:cxnSp>
       <p:cxnSp>
         <p:nvCxnSpPr>
-          <p:cNvPr id="15" name="Conector de Seta Reta 14">
-            <a:extLst>
-              <a:ext uri="{FF2B5EF4-FFF2-40B4-BE49-F238E27FC236}">
-                <a16:creationId xmlns:a16="http://schemas.microsoft.com/office/drawing/2014/main" id="{7D0BA2B8-A77B-45BC-AFAD-D208829AAE2A}"/>
+          <p:cNvPr id="92" name="Conector de Seta Reta 91">
+            <a:extLst>
+              <a:ext uri="{FF2B5EF4-FFF2-40B4-BE49-F238E27FC236}">
+                <a16:creationId xmlns:a16="http://schemas.microsoft.com/office/drawing/2014/main" id="{960F6DBC-93F2-4F50-AFD1-3EBD2529385B}"/>
               </a:ext>
             </a:extLst>
           </p:cNvPr>
           <p:cNvCxnSpPr>
-            <a:stCxn id="8" idx="2"/>
-            <a:endCxn id="7" idx="0"/>
+            <a:stCxn id="40" idx="1"/>
+            <a:endCxn id="9" idx="3"/>
           </p:cNvCxnSpPr>
           <p:nvPr/>
         </p:nvCxnSpPr>
         <p:spPr>
-          <a:xfrm>
-            <a:off x="1464814" y="3151574"/>
-            <a:ext cx="0" cy="221942"/>
+          <a:xfrm flipH="1">
+            <a:off x="3984605" y="1837675"/>
+            <a:ext cx="248581" cy="0"/>
           </a:xfrm>
           <a:prstGeom prst="straightConnector1">
             <a:avLst/>
@@ -3637,10 +4135,10 @@
       </p:cxnSp>
       <p:sp>
         <p:nvSpPr>
-          <p:cNvPr id="21" name="Retângulo 20">
-            <a:extLst>
-              <a:ext uri="{FF2B5EF4-FFF2-40B4-BE49-F238E27FC236}">
-                <a16:creationId xmlns:a16="http://schemas.microsoft.com/office/drawing/2014/main" id="{489703AA-D2DD-4B18-A529-FDDA709377D5}"/>
+          <p:cNvPr id="116" name="Retângulo 115">
+            <a:extLst>
+              <a:ext uri="{FF2B5EF4-FFF2-40B4-BE49-F238E27FC236}">
+                <a16:creationId xmlns:a16="http://schemas.microsoft.com/office/drawing/2014/main" id="{76EAA282-0434-488B-BEAE-570DDF187EC6}"/>
               </a:ext>
             </a:extLst>
           </p:cNvPr>
@@ -3649,8 +4147,8 @@
         </p:nvSpPr>
         <p:spPr>
           <a:xfrm>
-            <a:off x="2796466" y="417250"/>
-            <a:ext cx="1411549" cy="763480"/>
+            <a:off x="6314985" y="1455935"/>
+            <a:ext cx="1331651" cy="763480"/>
           </a:xfrm>
           <a:prstGeom prst="rect">
             <a:avLst/>
@@ -3658,13 +4156,13 @@
         </p:spPr>
         <p:style>
           <a:lnRef idx="2">
-            <a:schemeClr val="accent6"/>
+            <a:schemeClr val="dk1"/>
           </a:lnRef>
           <a:fillRef idx="1">
             <a:schemeClr val="lt1"/>
           </a:fillRef>
           <a:effectRef idx="0">
-            <a:schemeClr val="accent6"/>
+            <a:schemeClr val="dk1"/>
           </a:effectRef>
           <a:fontRef idx="minor">
             <a:schemeClr val="dk1"/>
@@ -3677,17 +4175,17 @@
             <a:pPr algn="ctr"/>
             <a:r>
               <a:rPr lang="pt-BR" dirty="0"/>
-              <a:t>Coleção Dissertações</a:t>
-            </a:r>
-          </a:p>
-        </p:txBody>
-      </p:sp>
-      <p:sp>
-        <p:nvSpPr>
-          <p:cNvPr id="24" name="Retângulo 23">
-            <a:extLst>
-              <a:ext uri="{FF2B5EF4-FFF2-40B4-BE49-F238E27FC236}">
-                <a16:creationId xmlns:a16="http://schemas.microsoft.com/office/drawing/2014/main" id="{2C6B80AE-9275-40C2-B262-87EC41C53BF3}"/>
+              <a:t>Texto-Base</a:t>
+            </a:r>
+          </a:p>
+        </p:txBody>
+      </p:sp>
+      <p:sp>
+        <p:nvSpPr>
+          <p:cNvPr id="117" name="Retângulo 116">
+            <a:extLst>
+              <a:ext uri="{FF2B5EF4-FFF2-40B4-BE49-F238E27FC236}">
+                <a16:creationId xmlns:a16="http://schemas.microsoft.com/office/drawing/2014/main" id="{96474555-FA41-46FE-A652-9CC330CB9814}"/>
               </a:ext>
             </a:extLst>
           </p:cNvPr>
@@ -3696,7 +4194,7 @@
         </p:nvSpPr>
         <p:spPr>
           <a:xfrm>
-            <a:off x="2836414" y="1402672"/>
+            <a:off x="9448806" y="4412201"/>
             <a:ext cx="1331651" cy="763480"/>
           </a:xfrm>
           <a:prstGeom prst="rect">
@@ -3705,13 +4203,13 @@
         </p:spPr>
         <p:style>
           <a:lnRef idx="2">
-            <a:schemeClr val="accent6"/>
+            <a:schemeClr val="dk1"/>
           </a:lnRef>
           <a:fillRef idx="1">
             <a:schemeClr val="lt1"/>
           </a:fillRef>
           <a:effectRef idx="0">
-            <a:schemeClr val="accent6"/>
+            <a:schemeClr val="dk1"/>
           </a:effectRef>
           <a:fontRef idx="minor">
             <a:schemeClr val="dk1"/>
@@ -3724,30 +4222,124 @@
             <a:pPr algn="ctr"/>
             <a:r>
               <a:rPr lang="pt-BR" dirty="0"/>
-              <a:t>Calcula IDF</a:t>
+              <a:t>Calcula TF</a:t>
+            </a:r>
+          </a:p>
+        </p:txBody>
+      </p:sp>
+      <p:sp>
+        <p:nvSpPr>
+          <p:cNvPr id="118" name="Retângulo 117">
+            <a:extLst>
+              <a:ext uri="{FF2B5EF4-FFF2-40B4-BE49-F238E27FC236}">
+                <a16:creationId xmlns:a16="http://schemas.microsoft.com/office/drawing/2014/main" id="{6308502C-1842-4448-A435-BBE13CB7EB96}"/>
+              </a:ext>
+            </a:extLst>
+          </p:cNvPr>
+          <p:cNvSpPr/>
+          <p:nvPr/>
+        </p:nvSpPr>
+        <p:spPr>
+          <a:xfrm>
+            <a:off x="7877456" y="2441357"/>
+            <a:ext cx="1331651" cy="763480"/>
+          </a:xfrm>
+          <a:prstGeom prst="rect">
+            <a:avLst/>
+          </a:prstGeom>
+        </p:spPr>
+        <p:style>
+          <a:lnRef idx="2">
+            <a:schemeClr val="dk1"/>
+          </a:lnRef>
+          <a:fillRef idx="1">
+            <a:schemeClr val="lt1"/>
+          </a:fillRef>
+          <a:effectRef idx="0">
+            <a:schemeClr val="dk1"/>
+          </a:effectRef>
+          <a:fontRef idx="minor">
+            <a:schemeClr val="dk1"/>
+          </a:fontRef>
+        </p:style>
+        <p:txBody>
+          <a:bodyPr rtlCol="0" anchor="ctr"/>
+          <a:lstStyle/>
+          <a:p>
+            <a:pPr algn="ctr"/>
+            <a:r>
+              <a:rPr lang="pt-BR" dirty="0"/>
+              <a:t>Stemming</a:t>
+            </a:r>
+          </a:p>
+        </p:txBody>
+      </p:sp>
+      <p:sp>
+        <p:nvSpPr>
+          <p:cNvPr id="119" name="Retângulo 118">
+            <a:extLst>
+              <a:ext uri="{FF2B5EF4-FFF2-40B4-BE49-F238E27FC236}">
+                <a16:creationId xmlns:a16="http://schemas.microsoft.com/office/drawing/2014/main" id="{8C8645FA-2B05-4F65-818E-D4589121A202}"/>
+              </a:ext>
+            </a:extLst>
+          </p:cNvPr>
+          <p:cNvSpPr/>
+          <p:nvPr/>
+        </p:nvSpPr>
+        <p:spPr>
+          <a:xfrm>
+            <a:off x="7868574" y="1455935"/>
+            <a:ext cx="1331651" cy="763480"/>
+          </a:xfrm>
+          <a:prstGeom prst="rect">
+            <a:avLst/>
+          </a:prstGeom>
+        </p:spPr>
+        <p:style>
+          <a:lnRef idx="2">
+            <a:schemeClr val="dk1"/>
+          </a:lnRef>
+          <a:fillRef idx="1">
+            <a:schemeClr val="lt1"/>
+          </a:fillRef>
+          <a:effectRef idx="0">
+            <a:schemeClr val="dk1"/>
+          </a:effectRef>
+          <a:fontRef idx="minor">
+            <a:schemeClr val="dk1"/>
+          </a:fontRef>
+        </p:style>
+        <p:txBody>
+          <a:bodyPr rtlCol="0" anchor="ctr"/>
+          <a:lstStyle/>
+          <a:p>
+            <a:pPr algn="ctr"/>
+            <a:r>
+              <a:rPr lang="pt-BR" dirty="0"/>
+              <a:t>Remove Stopword</a:t>
             </a:r>
           </a:p>
         </p:txBody>
       </p:sp>
       <p:cxnSp>
         <p:nvCxnSpPr>
-          <p:cNvPr id="26" name="Conector de Seta Reta 25">
-            <a:extLst>
-              <a:ext uri="{FF2B5EF4-FFF2-40B4-BE49-F238E27FC236}">
-                <a16:creationId xmlns:a16="http://schemas.microsoft.com/office/drawing/2014/main" id="{C29E3816-5222-4D59-ADDF-CEA49A4CCA92}"/>
+          <p:cNvPr id="120" name="Conector de Seta Reta 119">
+            <a:extLst>
+              <a:ext uri="{FF2B5EF4-FFF2-40B4-BE49-F238E27FC236}">
+                <a16:creationId xmlns:a16="http://schemas.microsoft.com/office/drawing/2014/main" id="{17C62B18-62E7-4766-9798-71E22A663E91}"/>
               </a:ext>
             </a:extLst>
           </p:cNvPr>
           <p:cNvCxnSpPr>
-            <a:stCxn id="21" idx="2"/>
-            <a:endCxn id="24" idx="0"/>
+            <a:stCxn id="119" idx="2"/>
+            <a:endCxn id="118" idx="0"/>
           </p:cNvCxnSpPr>
           <p:nvPr/>
         </p:nvCxnSpPr>
         <p:spPr>
-          <a:xfrm flipH="1">
-            <a:off x="3502240" y="1180730"/>
-            <a:ext cx="1" cy="221942"/>
+          <a:xfrm>
+            <a:off x="8534400" y="2219415"/>
+            <a:ext cx="8882" cy="221942"/>
           </a:xfrm>
           <a:prstGeom prst="straightConnector1">
             <a:avLst/>
@@ -3757,6 +4349,326 @@
           </a:ln>
         </p:spPr>
         <p:style>
+          <a:lnRef idx="2">
+            <a:schemeClr val="dk1"/>
+          </a:lnRef>
+          <a:fillRef idx="1">
+            <a:schemeClr val="lt1"/>
+          </a:fillRef>
+          <a:effectRef idx="0">
+            <a:schemeClr val="dk1"/>
+          </a:effectRef>
+          <a:fontRef idx="minor">
+            <a:schemeClr val="dk1"/>
+          </a:fontRef>
+        </p:style>
+      </p:cxnSp>
+      <p:sp>
+        <p:nvSpPr>
+          <p:cNvPr id="122" name="Retângulo 121">
+            <a:extLst>
+              <a:ext uri="{FF2B5EF4-FFF2-40B4-BE49-F238E27FC236}">
+                <a16:creationId xmlns:a16="http://schemas.microsoft.com/office/drawing/2014/main" id="{1DB08869-D45B-426D-BBAC-CFCAD78EE919}"/>
+              </a:ext>
+            </a:extLst>
+          </p:cNvPr>
+          <p:cNvSpPr/>
+          <p:nvPr/>
+        </p:nvSpPr>
+        <p:spPr>
+          <a:xfrm>
+            <a:off x="6314985" y="4412201"/>
+            <a:ext cx="1331651" cy="763480"/>
+          </a:xfrm>
+          <a:prstGeom prst="rect">
+            <a:avLst/>
+          </a:prstGeom>
+        </p:spPr>
+        <p:style>
+          <a:lnRef idx="2">
+            <a:schemeClr val="dk1"/>
+          </a:lnRef>
+          <a:fillRef idx="1">
+            <a:schemeClr val="lt1"/>
+          </a:fillRef>
+          <a:effectRef idx="0">
+            <a:schemeClr val="dk1"/>
+          </a:effectRef>
+          <a:fontRef idx="minor">
+            <a:schemeClr val="dk1"/>
+          </a:fontRef>
+        </p:style>
+        <p:txBody>
+          <a:bodyPr rtlCol="0" anchor="ctr"/>
+          <a:lstStyle/>
+          <a:p>
+            <a:pPr algn="ctr"/>
+            <a:r>
+              <a:rPr lang="pt-BR" dirty="0"/>
+              <a:t>Calcula IDF</a:t>
+            </a:r>
+          </a:p>
+        </p:txBody>
+      </p:sp>
+      <p:sp>
+        <p:nvSpPr>
+          <p:cNvPr id="123" name="Retângulo 122">
+            <a:extLst>
+              <a:ext uri="{FF2B5EF4-FFF2-40B4-BE49-F238E27FC236}">
+                <a16:creationId xmlns:a16="http://schemas.microsoft.com/office/drawing/2014/main" id="{8A85F024-E577-4A2D-9D90-488A92776EBD}"/>
+              </a:ext>
+            </a:extLst>
+          </p:cNvPr>
+          <p:cNvSpPr/>
+          <p:nvPr/>
+        </p:nvSpPr>
+        <p:spPr>
+          <a:xfrm>
+            <a:off x="7862659" y="5402065"/>
+            <a:ext cx="1331651" cy="763480"/>
+          </a:xfrm>
+          <a:prstGeom prst="rect">
+            <a:avLst/>
+          </a:prstGeom>
+        </p:spPr>
+        <p:style>
+          <a:lnRef idx="2">
+            <a:schemeClr val="dk1"/>
+          </a:lnRef>
+          <a:fillRef idx="1">
+            <a:schemeClr val="lt1"/>
+          </a:fillRef>
+          <a:effectRef idx="0">
+            <a:schemeClr val="dk1"/>
+          </a:effectRef>
+          <a:fontRef idx="minor">
+            <a:schemeClr val="dk1"/>
+          </a:fontRef>
+        </p:style>
+        <p:txBody>
+          <a:bodyPr rtlCol="0" anchor="ctr"/>
+          <a:lstStyle/>
+          <a:p>
+            <a:pPr algn="ctr"/>
+            <a:r>
+              <a:rPr lang="pt-BR" dirty="0"/>
+              <a:t>TFIDF</a:t>
+            </a:r>
+          </a:p>
+        </p:txBody>
+      </p:sp>
+      <p:sp>
+        <p:nvSpPr>
+          <p:cNvPr id="124" name="Retângulo 123">
+            <a:extLst>
+              <a:ext uri="{FF2B5EF4-FFF2-40B4-BE49-F238E27FC236}">
+                <a16:creationId xmlns:a16="http://schemas.microsoft.com/office/drawing/2014/main" id="{4E49BA60-6F23-4363-959D-E0ABFCFA7CAE}"/>
+              </a:ext>
+            </a:extLst>
+          </p:cNvPr>
+          <p:cNvSpPr/>
+          <p:nvPr/>
+        </p:nvSpPr>
+        <p:spPr>
+          <a:xfrm>
+            <a:off x="9448806" y="1455935"/>
+            <a:ext cx="1331651" cy="763480"/>
+          </a:xfrm>
+          <a:prstGeom prst="rect">
+            <a:avLst/>
+          </a:prstGeom>
+        </p:spPr>
+        <p:style>
+          <a:lnRef idx="2">
+            <a:schemeClr val="dk1"/>
+          </a:lnRef>
+          <a:fillRef idx="1">
+            <a:schemeClr val="lt1"/>
+          </a:fillRef>
+          <a:effectRef idx="0">
+            <a:schemeClr val="dk1"/>
+          </a:effectRef>
+          <a:fontRef idx="minor">
+            <a:schemeClr val="dk1"/>
+          </a:fontRef>
+        </p:style>
+        <p:txBody>
+          <a:bodyPr rtlCol="0" anchor="ctr"/>
+          <a:lstStyle/>
+          <a:p>
+            <a:pPr algn="ctr"/>
+            <a:r>
+              <a:rPr lang="pt-BR" dirty="0"/>
+              <a:t>Texto-Avaliado</a:t>
+            </a:r>
+          </a:p>
+        </p:txBody>
+      </p:sp>
+      <p:cxnSp>
+        <p:nvCxnSpPr>
+          <p:cNvPr id="125" name="Conector de Seta Reta 124">
+            <a:extLst>
+              <a:ext uri="{FF2B5EF4-FFF2-40B4-BE49-F238E27FC236}">
+                <a16:creationId xmlns:a16="http://schemas.microsoft.com/office/drawing/2014/main" id="{F3E29DCD-7592-49B4-924A-CDCB7D524198}"/>
+              </a:ext>
+            </a:extLst>
+          </p:cNvPr>
+          <p:cNvCxnSpPr>
+            <a:cxnSpLocks/>
+            <a:stCxn id="116" idx="2"/>
+            <a:endCxn id="122" idx="0"/>
+          </p:cNvCxnSpPr>
+          <p:nvPr/>
+        </p:nvCxnSpPr>
+        <p:spPr>
+          <a:xfrm>
+            <a:off x="6980811" y="2219415"/>
+            <a:ext cx="0" cy="2192786"/>
+          </a:xfrm>
+          <a:prstGeom prst="straightConnector1">
+            <a:avLst/>
+          </a:prstGeom>
+          <a:ln>
+            <a:tailEnd type="triangle"/>
+          </a:ln>
+        </p:spPr>
+        <p:style>
+          <a:lnRef idx="2">
+            <a:schemeClr val="dk1"/>
+          </a:lnRef>
+          <a:fillRef idx="1">
+            <a:schemeClr val="lt1"/>
+          </a:fillRef>
+          <a:effectRef idx="0">
+            <a:schemeClr val="dk1"/>
+          </a:effectRef>
+          <a:fontRef idx="minor">
+            <a:schemeClr val="dk1"/>
+          </a:fontRef>
+        </p:style>
+      </p:cxnSp>
+      <p:sp>
+        <p:nvSpPr>
+          <p:cNvPr id="129" name="Retângulo 128">
+            <a:extLst>
+              <a:ext uri="{FF2B5EF4-FFF2-40B4-BE49-F238E27FC236}">
+                <a16:creationId xmlns:a16="http://schemas.microsoft.com/office/drawing/2014/main" id="{FC555BD4-6A86-4FBD-BC5C-DAEBCB9F65E8}"/>
+              </a:ext>
+            </a:extLst>
+          </p:cNvPr>
+          <p:cNvSpPr/>
+          <p:nvPr/>
+        </p:nvSpPr>
+        <p:spPr>
+          <a:xfrm>
+            <a:off x="9439927" y="2441357"/>
+            <a:ext cx="1331651" cy="763480"/>
+          </a:xfrm>
+          <a:prstGeom prst="rect">
+            <a:avLst/>
+          </a:prstGeom>
+        </p:spPr>
+        <p:style>
+          <a:lnRef idx="2">
+            <a:schemeClr val="dk1"/>
+          </a:lnRef>
+          <a:fillRef idx="1">
+            <a:schemeClr val="lt1"/>
+          </a:fillRef>
+          <a:effectRef idx="0">
+            <a:schemeClr val="dk1"/>
+          </a:effectRef>
+          <a:fontRef idx="minor">
+            <a:schemeClr val="dk1"/>
+          </a:fontRef>
+        </p:style>
+        <p:txBody>
+          <a:bodyPr rtlCol="0" anchor="ctr"/>
+          <a:lstStyle/>
+          <a:p>
+            <a:pPr algn="ctr"/>
+            <a:r>
+              <a:rPr lang="pt-BR" dirty="0"/>
+              <a:t>KeyGraph</a:t>
+            </a:r>
+          </a:p>
+        </p:txBody>
+      </p:sp>
+      <p:sp>
+        <p:nvSpPr>
+          <p:cNvPr id="130" name="Retângulo 129">
+            <a:extLst>
+              <a:ext uri="{FF2B5EF4-FFF2-40B4-BE49-F238E27FC236}">
+                <a16:creationId xmlns:a16="http://schemas.microsoft.com/office/drawing/2014/main" id="{19D4F93A-6582-4674-A53E-5F9E1887C339}"/>
+              </a:ext>
+            </a:extLst>
+          </p:cNvPr>
+          <p:cNvSpPr/>
+          <p:nvPr/>
+        </p:nvSpPr>
+        <p:spPr>
+          <a:xfrm>
+            <a:off x="9439927" y="3426779"/>
+            <a:ext cx="1331651" cy="763480"/>
+          </a:xfrm>
+          <a:prstGeom prst="rect">
+            <a:avLst/>
+          </a:prstGeom>
+        </p:spPr>
+        <p:style>
+          <a:lnRef idx="2">
+            <a:schemeClr val="dk1"/>
+          </a:lnRef>
+          <a:fillRef idx="1">
+            <a:schemeClr val="lt1"/>
+          </a:fillRef>
+          <a:effectRef idx="0">
+            <a:schemeClr val="dk1"/>
+          </a:effectRef>
+          <a:fontRef idx="minor">
+            <a:schemeClr val="dk1"/>
+          </a:fontRef>
+        </p:style>
+        <p:txBody>
+          <a:bodyPr rtlCol="0" anchor="ctr"/>
+          <a:lstStyle/>
+          <a:p>
+            <a:pPr algn="ctr"/>
+            <a:r>
+              <a:rPr lang="pt-BR" dirty="0"/>
+              <a:t>Palavras-Chave</a:t>
+            </a:r>
+          </a:p>
+        </p:txBody>
+      </p:sp>
+      <p:cxnSp>
+        <p:nvCxnSpPr>
+          <p:cNvPr id="131" name="Conector de Seta Reta 130">
+            <a:extLst>
+              <a:ext uri="{FF2B5EF4-FFF2-40B4-BE49-F238E27FC236}">
+                <a16:creationId xmlns:a16="http://schemas.microsoft.com/office/drawing/2014/main" id="{BE4B3DF2-DC66-4BF7-A2AC-395BC4169F13}"/>
+              </a:ext>
+            </a:extLst>
+          </p:cNvPr>
+          <p:cNvCxnSpPr>
+            <a:stCxn id="129" idx="2"/>
+            <a:endCxn id="130" idx="0"/>
+          </p:cNvCxnSpPr>
+          <p:nvPr/>
+        </p:nvCxnSpPr>
+        <p:spPr>
+          <a:xfrm>
+            <a:off x="10105753" y="3204837"/>
+            <a:ext cx="0" cy="221942"/>
+          </a:xfrm>
+          <a:prstGeom prst="straightConnector1">
+            <a:avLst/>
+          </a:prstGeom>
+          <a:ln>
+            <a:tailEnd type="triangle"/>
+          </a:ln>
+        </p:spPr>
+        <p:style>
           <a:lnRef idx="1">
             <a:schemeClr val="dk1"/>
           </a:lnRef>
@@ -3773,10 +4685,10 @@
       </p:cxnSp>
       <p:sp>
         <p:nvSpPr>
-          <p:cNvPr id="29" name="Retângulo 28">
-            <a:extLst>
-              <a:ext uri="{FF2B5EF4-FFF2-40B4-BE49-F238E27FC236}">
-                <a16:creationId xmlns:a16="http://schemas.microsoft.com/office/drawing/2014/main" id="{290C8B70-9077-4C38-8120-09503468C2BA}"/>
+          <p:cNvPr id="133" name="Retângulo 132">
+            <a:extLst>
+              <a:ext uri="{FF2B5EF4-FFF2-40B4-BE49-F238E27FC236}">
+                <a16:creationId xmlns:a16="http://schemas.microsoft.com/office/drawing/2014/main" id="{B396ADA2-97C0-41C1-92A4-A87E3E6F9278}"/>
               </a:ext>
             </a:extLst>
           </p:cNvPr>
@@ -3785,7 +4697,7 @@
         </p:nvSpPr>
         <p:spPr>
           <a:xfrm>
-            <a:off x="2836413" y="2499065"/>
+            <a:off x="9448806" y="466070"/>
             <a:ext cx="1331651" cy="763480"/>
           </a:xfrm>
           <a:prstGeom prst="rect">
@@ -3794,13 +4706,13 @@
         </p:spPr>
         <p:style>
           <a:lnRef idx="2">
-            <a:schemeClr val="accent6"/>
+            <a:schemeClr val="dk1"/>
           </a:lnRef>
           <a:fillRef idx="1">
             <a:schemeClr val="lt1"/>
           </a:fillRef>
           <a:effectRef idx="0">
-            <a:schemeClr val="accent6"/>
+            <a:schemeClr val="dk1"/>
           </a:effectRef>
           <a:fontRef idx="minor">
             <a:schemeClr val="dk1"/>
@@ -3813,32 +4725,33 @@
             <a:pPr algn="ctr"/>
             <a:r>
               <a:rPr lang="pt-BR" dirty="0"/>
-              <a:t>TFIDF</a:t>
+              <a:t>Artigo</a:t>
             </a:r>
           </a:p>
         </p:txBody>
       </p:sp>
       <p:cxnSp>
         <p:nvCxnSpPr>
-          <p:cNvPr id="31" name="Conector: Angulado 30">
-            <a:extLst>
-              <a:ext uri="{FF2B5EF4-FFF2-40B4-BE49-F238E27FC236}">
-                <a16:creationId xmlns:a16="http://schemas.microsoft.com/office/drawing/2014/main" id="{17B05074-7F2C-4009-8C6E-D4BB415EE20F}"/>
+          <p:cNvPr id="134" name="Conector de Seta Reta 133">
+            <a:extLst>
+              <a:ext uri="{FF2B5EF4-FFF2-40B4-BE49-F238E27FC236}">
+                <a16:creationId xmlns:a16="http://schemas.microsoft.com/office/drawing/2014/main" id="{36399307-DD45-4B0E-B1B8-51C8DD10CCA0}"/>
               </a:ext>
             </a:extLst>
           </p:cNvPr>
           <p:cNvCxnSpPr>
-            <a:stCxn id="7" idx="3"/>
-            <a:endCxn id="29" idx="2"/>
+            <a:cxnSpLocks/>
+            <a:stCxn id="133" idx="2"/>
+            <a:endCxn id="124" idx="0"/>
           </p:cNvCxnSpPr>
           <p:nvPr/>
         </p:nvCxnSpPr>
         <p:spPr>
-          <a:xfrm flipV="1">
-            <a:off x="2130639" y="3262545"/>
-            <a:ext cx="1371600" cy="492711"/>
-          </a:xfrm>
-          <a:prstGeom prst="bentConnector2">
+          <a:xfrm>
+            <a:off x="10114632" y="1229550"/>
+            <a:ext cx="0" cy="226385"/>
+          </a:xfrm>
+          <a:prstGeom prst="straightConnector1">
             <a:avLst/>
           </a:prstGeom>
           <a:ln>
@@ -3862,23 +4775,23 @@
       </p:cxnSp>
       <p:cxnSp>
         <p:nvCxnSpPr>
-          <p:cNvPr id="33" name="Conector de Seta Reta 32">
-            <a:extLst>
-              <a:ext uri="{FF2B5EF4-FFF2-40B4-BE49-F238E27FC236}">
-                <a16:creationId xmlns:a16="http://schemas.microsoft.com/office/drawing/2014/main" id="{C0E9E9D3-E166-46AC-B200-438F4D6F3F00}"/>
+          <p:cNvPr id="136" name="Conector de Seta Reta 135">
+            <a:extLst>
+              <a:ext uri="{FF2B5EF4-FFF2-40B4-BE49-F238E27FC236}">
+                <a16:creationId xmlns:a16="http://schemas.microsoft.com/office/drawing/2014/main" id="{C51BCE8E-B4A8-44EC-8AF6-7F602965DFF8}"/>
               </a:ext>
             </a:extLst>
           </p:cNvPr>
           <p:cNvCxnSpPr>
-            <a:stCxn id="24" idx="2"/>
-            <a:endCxn id="29" idx="0"/>
+            <a:stCxn id="124" idx="1"/>
+            <a:endCxn id="119" idx="3"/>
           </p:cNvCxnSpPr>
           <p:nvPr/>
         </p:nvCxnSpPr>
         <p:spPr>
           <a:xfrm flipH="1">
-            <a:off x="3502239" y="2166152"/>
-            <a:ext cx="1" cy="332913"/>
+            <a:off x="9200225" y="1837675"/>
+            <a:ext cx="248581" cy="0"/>
           </a:xfrm>
           <a:prstGeom prst="straightConnector1">
             <a:avLst/>
@@ -3904,25 +4817,26 @@
       </p:cxnSp>
       <p:cxnSp>
         <p:nvCxnSpPr>
-          <p:cNvPr id="35" name="Conector: Angulado 34">
-            <a:extLst>
-              <a:ext uri="{FF2B5EF4-FFF2-40B4-BE49-F238E27FC236}">
-                <a16:creationId xmlns:a16="http://schemas.microsoft.com/office/drawing/2014/main" id="{6412119B-DD54-4F48-AF74-E004D90B5283}"/>
+          <p:cNvPr id="137" name="Conector de Seta Reta 136">
+            <a:extLst>
+              <a:ext uri="{FF2B5EF4-FFF2-40B4-BE49-F238E27FC236}">
+                <a16:creationId xmlns:a16="http://schemas.microsoft.com/office/drawing/2014/main" id="{77B27FDB-BCE1-4C81-BAC7-6504B75C6E95}"/>
               </a:ext>
             </a:extLst>
           </p:cNvPr>
           <p:cNvCxnSpPr>
-            <a:stCxn id="8" idx="3"/>
-            <a:endCxn id="21" idx="1"/>
+            <a:cxnSpLocks/>
+            <a:stCxn id="118" idx="3"/>
+            <a:endCxn id="129" idx="1"/>
           </p:cNvCxnSpPr>
           <p:nvPr/>
         </p:nvCxnSpPr>
         <p:spPr>
-          <a:xfrm flipV="1">
-            <a:off x="2130639" y="798990"/>
-            <a:ext cx="665827" cy="1970844"/>
-          </a:xfrm>
-          <a:prstGeom prst="bentConnector3">
+          <a:xfrm>
+            <a:off x="9209107" y="2823097"/>
+            <a:ext cx="230820" cy="0"/>
+          </a:xfrm>
+          <a:prstGeom prst="straightConnector1">
             <a:avLst/>
           </a:prstGeom>
           <a:ln>
@@ -3946,253 +4860,23 @@
       </p:cxnSp>
       <p:cxnSp>
         <p:nvCxnSpPr>
-          <p:cNvPr id="39" name="Conector: Angulado 38">
-            <a:extLst>
-              <a:ext uri="{FF2B5EF4-FFF2-40B4-BE49-F238E27FC236}">
-                <a16:creationId xmlns:a16="http://schemas.microsoft.com/office/drawing/2014/main" id="{CA756593-8F6A-4A8B-8D12-7FEB9E595D4A}"/>
+          <p:cNvPr id="143" name="Conector de Seta Reta 142">
+            <a:extLst>
+              <a:ext uri="{FF2B5EF4-FFF2-40B4-BE49-F238E27FC236}">
+                <a16:creationId xmlns:a16="http://schemas.microsoft.com/office/drawing/2014/main" id="{A26A637F-5E46-429F-988E-7AFA50EB1E06}"/>
               </a:ext>
             </a:extLst>
           </p:cNvPr>
           <p:cNvCxnSpPr>
-            <a:stCxn id="21" idx="1"/>
-            <a:endCxn id="9" idx="3"/>
+            <a:stCxn id="130" idx="2"/>
+            <a:endCxn id="117" idx="0"/>
           </p:cNvCxnSpPr>
           <p:nvPr/>
         </p:nvCxnSpPr>
         <p:spPr>
-          <a:xfrm rot="10800000" flipV="1">
-            <a:off x="2121758" y="798990"/>
-            <a:ext cx="674709" cy="985422"/>
-          </a:xfrm>
-          <a:prstGeom prst="bentConnector3">
-            <a:avLst/>
-          </a:prstGeom>
-          <a:ln>
-            <a:tailEnd type="triangle"/>
-          </a:ln>
-        </p:spPr>
-        <p:style>
-          <a:lnRef idx="1">
-            <a:schemeClr val="dk1"/>
-          </a:lnRef>
-          <a:fillRef idx="0">
-            <a:schemeClr val="dk1"/>
-          </a:fillRef>
-          <a:effectRef idx="0">
-            <a:schemeClr val="dk1"/>
-          </a:effectRef>
-          <a:fontRef idx="minor">
-            <a:schemeClr val="tx1"/>
-          </a:fontRef>
-        </p:style>
-      </p:cxnSp>
-      <p:sp>
-        <p:nvSpPr>
-          <p:cNvPr id="40" name="Retângulo 39">
-            <a:extLst>
-              <a:ext uri="{FF2B5EF4-FFF2-40B4-BE49-F238E27FC236}">
-                <a16:creationId xmlns:a16="http://schemas.microsoft.com/office/drawing/2014/main" id="{D1F65E83-DBB1-450F-BE8C-68A0EF80CE1B}"/>
-              </a:ext>
-            </a:extLst>
-          </p:cNvPr>
-          <p:cNvSpPr/>
-          <p:nvPr/>
-        </p:nvSpPr>
-        <p:spPr>
-          <a:xfrm>
-            <a:off x="4873841" y="417250"/>
-            <a:ext cx="1331651" cy="763480"/>
-          </a:xfrm>
-          <a:prstGeom prst="rect">
-            <a:avLst/>
-          </a:prstGeom>
-        </p:spPr>
-        <p:style>
-          <a:lnRef idx="2">
-            <a:schemeClr val="accent6"/>
-          </a:lnRef>
-          <a:fillRef idx="1">
-            <a:schemeClr val="lt1"/>
-          </a:fillRef>
-          <a:effectRef idx="0">
-            <a:schemeClr val="accent6"/>
-          </a:effectRef>
-          <a:fontRef idx="minor">
-            <a:schemeClr val="dk1"/>
-          </a:fontRef>
-        </p:style>
-        <p:txBody>
-          <a:bodyPr rtlCol="0" anchor="ctr"/>
-          <a:lstStyle/>
-          <a:p>
-            <a:pPr algn="ctr"/>
-            <a:r>
-              <a:rPr lang="pt-BR" dirty="0"/>
-              <a:t>Texto-Avaliado</a:t>
-            </a:r>
-          </a:p>
-        </p:txBody>
-      </p:sp>
-      <p:sp>
-        <p:nvSpPr>
-          <p:cNvPr id="41" name="Retângulo 40">
-            <a:extLst>
-              <a:ext uri="{FF2B5EF4-FFF2-40B4-BE49-F238E27FC236}">
-                <a16:creationId xmlns:a16="http://schemas.microsoft.com/office/drawing/2014/main" id="{DB01774C-5E31-40E3-BF50-F1C5BD0F2028}"/>
-              </a:ext>
-            </a:extLst>
-          </p:cNvPr>
-          <p:cNvSpPr/>
-          <p:nvPr/>
-        </p:nvSpPr>
-        <p:spPr>
-          <a:xfrm>
-            <a:off x="4873841" y="1402672"/>
-            <a:ext cx="1331651" cy="763480"/>
-          </a:xfrm>
-          <a:prstGeom prst="rect">
-            <a:avLst/>
-          </a:prstGeom>
-        </p:spPr>
-        <p:style>
-          <a:lnRef idx="2">
-            <a:schemeClr val="accent6"/>
-          </a:lnRef>
-          <a:fillRef idx="1">
-            <a:schemeClr val="lt1"/>
-          </a:fillRef>
-          <a:effectRef idx="0">
-            <a:schemeClr val="accent6"/>
-          </a:effectRef>
-          <a:fontRef idx="minor">
-            <a:schemeClr val="dk1"/>
-          </a:fontRef>
-        </p:style>
-        <p:txBody>
-          <a:bodyPr rtlCol="0" anchor="ctr"/>
-          <a:lstStyle/>
-          <a:p>
-            <a:pPr algn="ctr"/>
-            <a:r>
-              <a:rPr lang="pt-BR" dirty="0"/>
-              <a:t>Remove Stopword</a:t>
-            </a:r>
-          </a:p>
-        </p:txBody>
-      </p:sp>
-      <p:sp>
-        <p:nvSpPr>
-          <p:cNvPr id="42" name="Retângulo 41">
-            <a:extLst>
-              <a:ext uri="{FF2B5EF4-FFF2-40B4-BE49-F238E27FC236}">
-                <a16:creationId xmlns:a16="http://schemas.microsoft.com/office/drawing/2014/main" id="{D04669E0-D5D5-403B-9D6D-1BD282E61D28}"/>
-              </a:ext>
-            </a:extLst>
-          </p:cNvPr>
-          <p:cNvSpPr/>
-          <p:nvPr/>
-        </p:nvSpPr>
-        <p:spPr>
-          <a:xfrm>
-            <a:off x="4873841" y="2388094"/>
-            <a:ext cx="1331651" cy="763480"/>
-          </a:xfrm>
-          <a:prstGeom prst="rect">
-            <a:avLst/>
-          </a:prstGeom>
-        </p:spPr>
-        <p:style>
-          <a:lnRef idx="2">
-            <a:schemeClr val="accent6"/>
-          </a:lnRef>
-          <a:fillRef idx="1">
-            <a:schemeClr val="lt1"/>
-          </a:fillRef>
-          <a:effectRef idx="0">
-            <a:schemeClr val="accent6"/>
-          </a:effectRef>
-          <a:fontRef idx="minor">
-            <a:schemeClr val="dk1"/>
-          </a:fontRef>
-        </p:style>
-        <p:txBody>
-          <a:bodyPr rtlCol="0" anchor="ctr"/>
-          <a:lstStyle/>
-          <a:p>
-            <a:pPr algn="ctr"/>
-            <a:r>
-              <a:rPr lang="pt-BR" dirty="0"/>
-              <a:t>Stemming</a:t>
-            </a:r>
-          </a:p>
-        </p:txBody>
-      </p:sp>
-      <p:sp>
-        <p:nvSpPr>
-          <p:cNvPr id="43" name="Retângulo 42">
-            <a:extLst>
-              <a:ext uri="{FF2B5EF4-FFF2-40B4-BE49-F238E27FC236}">
-                <a16:creationId xmlns:a16="http://schemas.microsoft.com/office/drawing/2014/main" id="{562D46BF-24F8-44DF-8352-A53A57E92AE0}"/>
-              </a:ext>
-            </a:extLst>
-          </p:cNvPr>
-          <p:cNvSpPr/>
-          <p:nvPr/>
-        </p:nvSpPr>
-        <p:spPr>
-          <a:xfrm>
-            <a:off x="4873841" y="3373516"/>
-            <a:ext cx="1331651" cy="763480"/>
-          </a:xfrm>
-          <a:prstGeom prst="rect">
-            <a:avLst/>
-          </a:prstGeom>
-        </p:spPr>
-        <p:style>
-          <a:lnRef idx="2">
-            <a:schemeClr val="accent6"/>
-          </a:lnRef>
-          <a:fillRef idx="1">
-            <a:schemeClr val="lt1"/>
-          </a:fillRef>
-          <a:effectRef idx="0">
-            <a:schemeClr val="accent6"/>
-          </a:effectRef>
-          <a:fontRef idx="minor">
-            <a:schemeClr val="dk1"/>
-          </a:fontRef>
-        </p:style>
-        <p:txBody>
-          <a:bodyPr rtlCol="0" anchor="ctr"/>
-          <a:lstStyle/>
-          <a:p>
-            <a:pPr algn="ctr"/>
-            <a:r>
-              <a:rPr lang="pt-BR" dirty="0"/>
-              <a:t>Calcula TF</a:t>
-            </a:r>
-          </a:p>
-        </p:txBody>
-      </p:sp>
-      <p:cxnSp>
-        <p:nvCxnSpPr>
-          <p:cNvPr id="45" name="Conector de Seta Reta 44">
-            <a:extLst>
-              <a:ext uri="{FF2B5EF4-FFF2-40B4-BE49-F238E27FC236}">
-                <a16:creationId xmlns:a16="http://schemas.microsoft.com/office/drawing/2014/main" id="{35052512-371F-472C-A7B6-236E855525EF}"/>
-              </a:ext>
-            </a:extLst>
-          </p:cNvPr>
-          <p:cNvCxnSpPr>
-            <a:stCxn id="40" idx="2"/>
-            <a:endCxn id="41" idx="0"/>
-          </p:cNvCxnSpPr>
-          <p:nvPr/>
-        </p:nvCxnSpPr>
-        <p:spPr>
-          <a:xfrm>
-            <a:off x="5539667" y="1180730"/>
-            <a:ext cx="0" cy="221942"/>
+          <a:xfrm>
+            <a:off x="10105753" y="4190259"/>
+            <a:ext cx="8879" cy="221942"/>
           </a:xfrm>
           <a:prstGeom prst="straightConnector1">
             <a:avLst/>
@@ -4218,25 +4902,25 @@
       </p:cxnSp>
       <p:cxnSp>
         <p:nvCxnSpPr>
-          <p:cNvPr id="47" name="Conector de Seta Reta 46">
-            <a:extLst>
-              <a:ext uri="{FF2B5EF4-FFF2-40B4-BE49-F238E27FC236}">
-                <a16:creationId xmlns:a16="http://schemas.microsoft.com/office/drawing/2014/main" id="{C5A79D7E-CD05-44D2-B5E9-8E866138414C}"/>
+          <p:cNvPr id="145" name="Conector: Angulado 144">
+            <a:extLst>
+              <a:ext uri="{FF2B5EF4-FFF2-40B4-BE49-F238E27FC236}">
+                <a16:creationId xmlns:a16="http://schemas.microsoft.com/office/drawing/2014/main" id="{9767F039-9FDF-45B5-8CB2-B8F0DD5A278A}"/>
               </a:ext>
             </a:extLst>
           </p:cNvPr>
           <p:cNvCxnSpPr>
-            <a:stCxn id="41" idx="2"/>
-            <a:endCxn id="42" idx="0"/>
+            <a:stCxn id="117" idx="1"/>
+            <a:endCxn id="123" idx="0"/>
           </p:cNvCxnSpPr>
           <p:nvPr/>
         </p:nvCxnSpPr>
         <p:spPr>
-          <a:xfrm>
-            <a:off x="5539667" y="2166152"/>
-            <a:ext cx="0" cy="221942"/>
-          </a:xfrm>
-          <a:prstGeom prst="straightConnector1">
+          <a:xfrm rot="10800000" flipV="1">
+            <a:off x="8528486" y="4793941"/>
+            <a:ext cx="920321" cy="608124"/>
+          </a:xfrm>
+          <a:prstGeom prst="bentConnector2">
             <a:avLst/>
           </a:prstGeom>
           <a:ln>
@@ -4260,65 +4944,23 @@
       </p:cxnSp>
       <p:cxnSp>
         <p:nvCxnSpPr>
-          <p:cNvPr id="49" name="Conector de Seta Reta 48">
-            <a:extLst>
-              <a:ext uri="{FF2B5EF4-FFF2-40B4-BE49-F238E27FC236}">
-                <a16:creationId xmlns:a16="http://schemas.microsoft.com/office/drawing/2014/main" id="{29B05A84-BFD0-43FF-83A0-4A59BCDF86AF}"/>
+          <p:cNvPr id="153" name="Conector: Angulado 152">
+            <a:extLst>
+              <a:ext uri="{FF2B5EF4-FFF2-40B4-BE49-F238E27FC236}">
+                <a16:creationId xmlns:a16="http://schemas.microsoft.com/office/drawing/2014/main" id="{AD1DC482-EE94-4652-A11A-255338994214}"/>
               </a:ext>
             </a:extLst>
           </p:cNvPr>
           <p:cNvCxnSpPr>
-            <a:stCxn id="42" idx="2"/>
-            <a:endCxn id="43" idx="0"/>
+            <a:stCxn id="122" idx="3"/>
+            <a:endCxn id="123" idx="0"/>
           </p:cNvCxnSpPr>
           <p:nvPr/>
         </p:nvCxnSpPr>
         <p:spPr>
           <a:xfrm>
-            <a:off x="5539667" y="3151574"/>
-            <a:ext cx="0" cy="221942"/>
-          </a:xfrm>
-          <a:prstGeom prst="straightConnector1">
-            <a:avLst/>
-          </a:prstGeom>
-          <a:ln>
-            <a:tailEnd type="triangle"/>
-          </a:ln>
-        </p:spPr>
-        <p:style>
-          <a:lnRef idx="1">
-            <a:schemeClr val="dk1"/>
-          </a:lnRef>
-          <a:fillRef idx="0">
-            <a:schemeClr val="dk1"/>
-          </a:fillRef>
-          <a:effectRef idx="0">
-            <a:schemeClr val="dk1"/>
-          </a:effectRef>
-          <a:fontRef idx="minor">
-            <a:schemeClr val="tx1"/>
-          </a:fontRef>
-        </p:style>
-      </p:cxnSp>
-      <p:cxnSp>
-        <p:nvCxnSpPr>
-          <p:cNvPr id="51" name="Conector: Angulado 50">
-            <a:extLst>
-              <a:ext uri="{FF2B5EF4-FFF2-40B4-BE49-F238E27FC236}">
-                <a16:creationId xmlns:a16="http://schemas.microsoft.com/office/drawing/2014/main" id="{F724133B-DC3D-4EC3-8201-3FA94B6E3B03}"/>
-              </a:ext>
-            </a:extLst>
-          </p:cNvPr>
-          <p:cNvCxnSpPr>
-            <a:stCxn id="43" idx="1"/>
-            <a:endCxn id="29" idx="2"/>
-          </p:cNvCxnSpPr>
-          <p:nvPr/>
-        </p:nvCxnSpPr>
-        <p:spPr>
-          <a:xfrm rot="10800000">
-            <a:off x="3502239" y="3262546"/>
-            <a:ext cx="1371602" cy="492711"/>
+            <a:off x="7646636" y="4793941"/>
+            <a:ext cx="881849" cy="608124"/>
           </a:xfrm>
           <a:prstGeom prst="bentConnector2">
             <a:avLst/>

--- a/PGCLatex/Figuras/fluxo_metodologia.pptx
+++ b/PGCLatex/Figuras/fluxo_metodologia.pptx
@@ -259,7 +259,7 @@
           <a:p>
             <a:fld id="{9E3F945B-1BDE-43BA-B043-FAF503D127FE}" type="datetimeFigureOut">
               <a:rPr lang="pt-BR" smtClean="0"/>
-              <a:t>27/04/2020</a:t>
+              <a:t>07/05/2020</a:t>
             </a:fld>
             <a:endParaRPr lang="pt-BR"/>
           </a:p>
@@ -457,7 +457,7 @@
           <a:p>
             <a:fld id="{9E3F945B-1BDE-43BA-B043-FAF503D127FE}" type="datetimeFigureOut">
               <a:rPr lang="pt-BR" smtClean="0"/>
-              <a:t>27/04/2020</a:t>
+              <a:t>07/05/2020</a:t>
             </a:fld>
             <a:endParaRPr lang="pt-BR"/>
           </a:p>
@@ -665,7 +665,7 @@
           <a:p>
             <a:fld id="{9E3F945B-1BDE-43BA-B043-FAF503D127FE}" type="datetimeFigureOut">
               <a:rPr lang="pt-BR" smtClean="0"/>
-              <a:t>27/04/2020</a:t>
+              <a:t>07/05/2020</a:t>
             </a:fld>
             <a:endParaRPr lang="pt-BR"/>
           </a:p>
@@ -863,7 +863,7 @@
           <a:p>
             <a:fld id="{9E3F945B-1BDE-43BA-B043-FAF503D127FE}" type="datetimeFigureOut">
               <a:rPr lang="pt-BR" smtClean="0"/>
-              <a:t>27/04/2020</a:t>
+              <a:t>07/05/2020</a:t>
             </a:fld>
             <a:endParaRPr lang="pt-BR"/>
           </a:p>
@@ -1138,7 +1138,7 @@
           <a:p>
             <a:fld id="{9E3F945B-1BDE-43BA-B043-FAF503D127FE}" type="datetimeFigureOut">
               <a:rPr lang="pt-BR" smtClean="0"/>
-              <a:t>27/04/2020</a:t>
+              <a:t>07/05/2020</a:t>
             </a:fld>
             <a:endParaRPr lang="pt-BR"/>
           </a:p>
@@ -1403,7 +1403,7 @@
           <a:p>
             <a:fld id="{9E3F945B-1BDE-43BA-B043-FAF503D127FE}" type="datetimeFigureOut">
               <a:rPr lang="pt-BR" smtClean="0"/>
-              <a:t>27/04/2020</a:t>
+              <a:t>07/05/2020</a:t>
             </a:fld>
             <a:endParaRPr lang="pt-BR"/>
           </a:p>
@@ -1815,7 +1815,7 @@
           <a:p>
             <a:fld id="{9E3F945B-1BDE-43BA-B043-FAF503D127FE}" type="datetimeFigureOut">
               <a:rPr lang="pt-BR" smtClean="0"/>
-              <a:t>27/04/2020</a:t>
+              <a:t>07/05/2020</a:t>
             </a:fld>
             <a:endParaRPr lang="pt-BR"/>
           </a:p>
@@ -1956,7 +1956,7 @@
           <a:p>
             <a:fld id="{9E3F945B-1BDE-43BA-B043-FAF503D127FE}" type="datetimeFigureOut">
               <a:rPr lang="pt-BR" smtClean="0"/>
-              <a:t>27/04/2020</a:t>
+              <a:t>07/05/2020</a:t>
             </a:fld>
             <a:endParaRPr lang="pt-BR"/>
           </a:p>
@@ -2069,7 +2069,7 @@
           <a:p>
             <a:fld id="{9E3F945B-1BDE-43BA-B043-FAF503D127FE}" type="datetimeFigureOut">
               <a:rPr lang="pt-BR" smtClean="0"/>
-              <a:t>27/04/2020</a:t>
+              <a:t>07/05/2020</a:t>
             </a:fld>
             <a:endParaRPr lang="pt-BR"/>
           </a:p>
@@ -2380,7 +2380,7 @@
           <a:p>
             <a:fld id="{9E3F945B-1BDE-43BA-B043-FAF503D127FE}" type="datetimeFigureOut">
               <a:rPr lang="pt-BR" smtClean="0"/>
-              <a:t>27/04/2020</a:t>
+              <a:t>07/05/2020</a:t>
             </a:fld>
             <a:endParaRPr lang="pt-BR"/>
           </a:p>
@@ -2668,7 +2668,7 @@
           <a:p>
             <a:fld id="{9E3F945B-1BDE-43BA-B043-FAF503D127FE}" type="datetimeFigureOut">
               <a:rPr lang="pt-BR" smtClean="0"/>
-              <a:t>27/04/2020</a:t>
+              <a:t>07/05/2020</a:t>
             </a:fld>
             <a:endParaRPr lang="pt-BR"/>
           </a:p>
@@ -2909,7 +2909,7 @@
           <a:p>
             <a:fld id="{9E3F945B-1BDE-43BA-B043-FAF503D127FE}" type="datetimeFigureOut">
               <a:rPr lang="pt-BR" smtClean="0"/>
-              <a:t>27/04/2020</a:t>
+              <a:t>07/05/2020</a:t>
             </a:fld>
             <a:endParaRPr lang="pt-BR"/>
           </a:p>
@@ -3340,8 +3340,8 @@
         </p:nvSpPr>
         <p:spPr>
           <a:xfrm>
-            <a:off x="1099365" y="1455935"/>
-            <a:ext cx="1331651" cy="763480"/>
+            <a:off x="2032986" y="1802487"/>
+            <a:ext cx="906108" cy="416928"/>
           </a:xfrm>
           <a:prstGeom prst="rect">
             <a:avLst/>
@@ -3367,7 +3367,7 @@
           <a:p>
             <a:pPr algn="ctr"/>
             <a:r>
-              <a:rPr lang="pt-BR" dirty="0"/>
+              <a:rPr lang="pt-BR" sz="1200" dirty="0"/>
               <a:t>Texto-Base</a:t>
             </a:r>
           </a:p>
@@ -3387,8 +3387,8 @@
         </p:nvSpPr>
         <p:spPr>
           <a:xfrm>
-            <a:off x="2661836" y="3426779"/>
-            <a:ext cx="1331651" cy="763480"/>
+            <a:off x="3078497" y="2856479"/>
+            <a:ext cx="906108" cy="416928"/>
           </a:xfrm>
           <a:prstGeom prst="rect">
             <a:avLst/>
@@ -3414,7 +3414,7 @@
           <a:p>
             <a:pPr algn="ctr"/>
             <a:r>
-              <a:rPr lang="pt-BR" dirty="0"/>
+              <a:rPr lang="pt-BR" sz="1200" dirty="0"/>
               <a:t>Calcula TF</a:t>
             </a:r>
           </a:p>
@@ -3434,8 +3434,8 @@
         </p:nvSpPr>
         <p:spPr>
           <a:xfrm>
-            <a:off x="2661836" y="2441357"/>
-            <a:ext cx="1331651" cy="763480"/>
+            <a:off x="3078497" y="2329483"/>
+            <a:ext cx="906108" cy="416928"/>
           </a:xfrm>
           <a:prstGeom prst="rect">
             <a:avLst/>
@@ -3461,7 +3461,7 @@
           <a:p>
             <a:pPr algn="ctr"/>
             <a:r>
-              <a:rPr lang="pt-BR" dirty="0"/>
+              <a:rPr lang="pt-BR" sz="1200" dirty="0"/>
               <a:t>Stemming</a:t>
             </a:r>
           </a:p>
@@ -3481,8 +3481,8 @@
         </p:nvSpPr>
         <p:spPr>
           <a:xfrm>
-            <a:off x="2652954" y="1455935"/>
-            <a:ext cx="1331651" cy="763480"/>
+            <a:off x="3078497" y="1802487"/>
+            <a:ext cx="906108" cy="416928"/>
           </a:xfrm>
           <a:prstGeom prst="rect">
             <a:avLst/>
@@ -3508,7 +3508,7 @@
           <a:p>
             <a:pPr algn="ctr"/>
             <a:r>
-              <a:rPr lang="pt-BR" dirty="0"/>
+              <a:rPr lang="pt-BR" sz="1200" dirty="0"/>
               <a:t>Remove Stopword</a:t>
             </a:r>
           </a:p>
@@ -3531,8 +3531,8 @@
         </p:nvCxnSpPr>
         <p:spPr>
           <a:xfrm>
-            <a:off x="3318780" y="2219415"/>
-            <a:ext cx="8882" cy="221942"/>
+            <a:off x="3531551" y="2219415"/>
+            <a:ext cx="0" cy="110068"/>
           </a:xfrm>
           <a:prstGeom prst="straightConnector1">
             <a:avLst/>
@@ -3574,8 +3574,8 @@
         </p:nvCxnSpPr>
         <p:spPr>
           <a:xfrm>
-            <a:off x="3327662" y="3204837"/>
-            <a:ext cx="0" cy="221942"/>
+            <a:off x="3531551" y="2746411"/>
+            <a:ext cx="0" cy="110068"/>
           </a:xfrm>
           <a:prstGeom prst="straightConnector1">
             <a:avLst/>
@@ -3613,8 +3613,8 @@
         </p:nvSpPr>
         <p:spPr>
           <a:xfrm>
-            <a:off x="1099365" y="3426779"/>
-            <a:ext cx="1331651" cy="763480"/>
+            <a:off x="2024104" y="2856479"/>
+            <a:ext cx="906108" cy="416928"/>
           </a:xfrm>
           <a:prstGeom prst="rect">
             <a:avLst/>
@@ -3640,7 +3640,7 @@
           <a:p>
             <a:pPr algn="ctr"/>
             <a:r>
-              <a:rPr lang="pt-BR" dirty="0"/>
+              <a:rPr lang="pt-BR" sz="1200" dirty="0"/>
               <a:t>Calcula IDF</a:t>
             </a:r>
           </a:p>
@@ -3660,8 +3660,8 @@
         </p:nvSpPr>
         <p:spPr>
           <a:xfrm>
-            <a:off x="1876159" y="4403323"/>
-            <a:ext cx="1331651" cy="763480"/>
+            <a:off x="2555741" y="3456285"/>
+            <a:ext cx="906108" cy="416928"/>
           </a:xfrm>
           <a:prstGeom prst="rect">
             <a:avLst/>
@@ -3687,7 +3687,7 @@
           <a:p>
             <a:pPr algn="ctr"/>
             <a:r>
-              <a:rPr lang="pt-BR" dirty="0"/>
+              <a:rPr lang="pt-BR" sz="1200" dirty="0"/>
               <a:t>TFIDF</a:t>
             </a:r>
           </a:p>
@@ -3707,8 +3707,8 @@
         </p:nvSpPr>
         <p:spPr>
           <a:xfrm>
-            <a:off x="4233186" y="1455935"/>
-            <a:ext cx="1331651" cy="763480"/>
+            <a:off x="4126298" y="1802487"/>
+            <a:ext cx="906108" cy="416928"/>
           </a:xfrm>
           <a:prstGeom prst="rect">
             <a:avLst/>
@@ -3734,7 +3734,7 @@
           <a:p>
             <a:pPr algn="ctr"/>
             <a:r>
-              <a:rPr lang="pt-BR" dirty="0"/>
+              <a:rPr lang="pt-BR" sz="1200" dirty="0"/>
               <a:t>Texto-Avaliado</a:t>
             </a:r>
           </a:p>
@@ -3757,9 +3757,9 @@
           <p:nvPr/>
         </p:nvCxnSpPr>
         <p:spPr>
-          <a:xfrm>
-            <a:off x="1765191" y="2219415"/>
-            <a:ext cx="0" cy="1207364"/>
+          <a:xfrm flipH="1">
+            <a:off x="2477158" y="2219415"/>
+            <a:ext cx="8882" cy="637064"/>
           </a:xfrm>
           <a:prstGeom prst="straightConnector1">
             <a:avLst/>
@@ -3801,8 +3801,8 @@
         </p:nvCxnSpPr>
         <p:spPr>
           <a:xfrm>
-            <a:off x="2431016" y="1837675"/>
-            <a:ext cx="221938" cy="0"/>
+            <a:off x="2939094" y="2010951"/>
+            <a:ext cx="139403" cy="0"/>
           </a:xfrm>
           <a:prstGeom prst="straightConnector1">
             <a:avLst/>
@@ -3843,8 +3843,8 @@
         </p:nvCxnSpPr>
         <p:spPr>
           <a:xfrm rot="16200000" flipH="1">
-            <a:off x="2047056" y="3908394"/>
-            <a:ext cx="213064" cy="776794"/>
+            <a:off x="2651537" y="3099027"/>
+            <a:ext cx="182878" cy="531637"/>
           </a:xfrm>
           <a:prstGeom prst="bentConnector3">
             <a:avLst/>
@@ -3886,8 +3886,8 @@
         </p:nvCxnSpPr>
         <p:spPr>
           <a:xfrm rot="5400000">
-            <a:off x="2828292" y="3903953"/>
-            <a:ext cx="213064" cy="785677"/>
+            <a:off x="3178734" y="3103468"/>
+            <a:ext cx="182878" cy="522756"/>
           </a:xfrm>
           <a:prstGeom prst="bentConnector3">
             <a:avLst/>
@@ -3925,8 +3925,8 @@
         </p:nvSpPr>
         <p:spPr>
           <a:xfrm>
-            <a:off x="1099365" y="479391"/>
-            <a:ext cx="1331651" cy="763480"/>
+            <a:off x="2032986" y="1216242"/>
+            <a:ext cx="906108" cy="416928"/>
           </a:xfrm>
           <a:prstGeom prst="rect">
             <a:avLst/>
@@ -3952,7 +3952,7 @@
           <a:p>
             <a:pPr algn="ctr"/>
             <a:r>
-              <a:rPr lang="pt-BR" dirty="0"/>
+              <a:rPr lang="pt-BR" sz="1200" dirty="0"/>
               <a:t>Dissertação</a:t>
             </a:r>
           </a:p>
@@ -3972,8 +3972,8 @@
         </p:nvSpPr>
         <p:spPr>
           <a:xfrm>
-            <a:off x="4233186" y="479391"/>
-            <a:ext cx="1331651" cy="763480"/>
+            <a:off x="4126298" y="1216242"/>
+            <a:ext cx="906108" cy="416928"/>
           </a:xfrm>
           <a:prstGeom prst="rect">
             <a:avLst/>
@@ -3999,7 +3999,7 @@
           <a:p>
             <a:pPr algn="ctr"/>
             <a:r>
-              <a:rPr lang="pt-BR" dirty="0"/>
+              <a:rPr lang="pt-BR" sz="1200" dirty="0"/>
               <a:t>Artigo</a:t>
             </a:r>
           </a:p>
@@ -4023,8 +4023,8 @@
         </p:nvCxnSpPr>
         <p:spPr>
           <a:xfrm>
-            <a:off x="4899012" y="1242871"/>
-            <a:ext cx="0" cy="213064"/>
+            <a:off x="4579352" y="1633170"/>
+            <a:ext cx="0" cy="169317"/>
           </a:xfrm>
           <a:prstGeom prst="straightConnector1">
             <a:avLst/>
@@ -4066,8 +4066,8 @@
         </p:nvCxnSpPr>
         <p:spPr>
           <a:xfrm>
-            <a:off x="1765191" y="1242871"/>
-            <a:ext cx="0" cy="213064"/>
+            <a:off x="2486040" y="1633170"/>
+            <a:ext cx="0" cy="169317"/>
           </a:xfrm>
           <a:prstGeom prst="straightConnector1">
             <a:avLst/>
@@ -4101,6 +4101,7 @@
             </a:extLst>
           </p:cNvPr>
           <p:cNvCxnSpPr>
+            <a:cxnSpLocks/>
             <a:stCxn id="40" idx="1"/>
             <a:endCxn id="9" idx="3"/>
           </p:cNvCxnSpPr>
@@ -4108,8 +4109,8 @@
         </p:nvCxnSpPr>
         <p:spPr>
           <a:xfrm flipH="1">
-            <a:off x="3984605" y="1837675"/>
-            <a:ext cx="248581" cy="0"/>
+            <a:off x="3984605" y="2010951"/>
+            <a:ext cx="141693" cy="0"/>
           </a:xfrm>
           <a:prstGeom prst="straightConnector1">
             <a:avLst/>
@@ -4147,8 +4148,8 @@
         </p:nvSpPr>
         <p:spPr>
           <a:xfrm>
-            <a:off x="6314985" y="1455935"/>
-            <a:ext cx="1331651" cy="763480"/>
+            <a:off x="5214599" y="1212777"/>
+            <a:ext cx="906108" cy="416928"/>
           </a:xfrm>
           <a:prstGeom prst="rect">
             <a:avLst/>
@@ -4174,7 +4175,7 @@
           <a:p>
             <a:pPr algn="ctr"/>
             <a:r>
-              <a:rPr lang="pt-BR" dirty="0"/>
+              <a:rPr lang="pt-BR" sz="1200" dirty="0"/>
               <a:t>Texto-Base</a:t>
             </a:r>
           </a:p>
@@ -4194,8 +4195,8 @@
         </p:nvSpPr>
         <p:spPr>
           <a:xfrm>
-            <a:off x="9448806" y="4412201"/>
-            <a:ext cx="1331651" cy="763480"/>
+            <a:off x="7314507" y="2793763"/>
+            <a:ext cx="906108" cy="416928"/>
           </a:xfrm>
           <a:prstGeom prst="rect">
             <a:avLst/>
@@ -4221,7 +4222,7 @@
           <a:p>
             <a:pPr algn="ctr"/>
             <a:r>
-              <a:rPr lang="pt-BR" dirty="0"/>
+              <a:rPr lang="pt-BR" sz="1200" dirty="0"/>
               <a:t>Calcula TF</a:t>
             </a:r>
           </a:p>
@@ -4241,8 +4242,8 @@
         </p:nvSpPr>
         <p:spPr>
           <a:xfrm>
-            <a:off x="7877456" y="2441357"/>
-            <a:ext cx="1331651" cy="763480"/>
+            <a:off x="6268993" y="1739773"/>
+            <a:ext cx="906108" cy="416928"/>
           </a:xfrm>
           <a:prstGeom prst="rect">
             <a:avLst/>
@@ -4268,7 +4269,7 @@
           <a:p>
             <a:pPr algn="ctr"/>
             <a:r>
-              <a:rPr lang="pt-BR" dirty="0"/>
+              <a:rPr lang="pt-BR" sz="1200" dirty="0"/>
               <a:t>Stemming</a:t>
             </a:r>
           </a:p>
@@ -4288,8 +4289,8 @@
         </p:nvSpPr>
         <p:spPr>
           <a:xfrm>
-            <a:off x="7868574" y="1455935"/>
-            <a:ext cx="1331651" cy="763480"/>
+            <a:off x="6260111" y="1212777"/>
+            <a:ext cx="906108" cy="416928"/>
           </a:xfrm>
           <a:prstGeom prst="rect">
             <a:avLst/>
@@ -4315,7 +4316,7 @@
           <a:p>
             <a:pPr algn="ctr"/>
             <a:r>
-              <a:rPr lang="pt-BR" dirty="0"/>
+              <a:rPr lang="pt-BR" sz="1200" dirty="0"/>
               <a:t>Remove Stopword</a:t>
             </a:r>
           </a:p>
@@ -4338,8 +4339,8 @@
         </p:nvCxnSpPr>
         <p:spPr>
           <a:xfrm>
-            <a:off x="8534400" y="2219415"/>
-            <a:ext cx="8882" cy="221942"/>
+            <a:off x="6713165" y="1629705"/>
+            <a:ext cx="8882" cy="110068"/>
           </a:xfrm>
           <a:prstGeom prst="straightConnector1">
             <a:avLst/>
@@ -4377,8 +4378,8 @@
         </p:nvSpPr>
         <p:spPr>
           <a:xfrm>
-            <a:off x="6314985" y="4412201"/>
-            <a:ext cx="1331651" cy="763480"/>
+            <a:off x="5205720" y="2793763"/>
+            <a:ext cx="906108" cy="416928"/>
           </a:xfrm>
           <a:prstGeom prst="rect">
             <a:avLst/>
@@ -4404,7 +4405,7 @@
           <a:p>
             <a:pPr algn="ctr"/>
             <a:r>
-              <a:rPr lang="pt-BR" dirty="0"/>
+              <a:rPr lang="pt-BR" sz="1200" dirty="0"/>
               <a:t>Calcula IDF</a:t>
             </a:r>
           </a:p>
@@ -4424,8 +4425,8 @@
         </p:nvSpPr>
         <p:spPr>
           <a:xfrm>
-            <a:off x="7862659" y="5402065"/>
-            <a:ext cx="1331651" cy="763480"/>
+            <a:off x="6260111" y="3280619"/>
+            <a:ext cx="906108" cy="416928"/>
           </a:xfrm>
           <a:prstGeom prst="rect">
             <a:avLst/>
@@ -4451,7 +4452,7 @@
           <a:p>
             <a:pPr algn="ctr"/>
             <a:r>
-              <a:rPr lang="pt-BR" dirty="0"/>
+              <a:rPr lang="pt-BR" sz="1200" dirty="0"/>
               <a:t>TFIDF</a:t>
             </a:r>
           </a:p>
@@ -4471,8 +4472,8 @@
         </p:nvSpPr>
         <p:spPr>
           <a:xfrm>
-            <a:off x="9448806" y="1455935"/>
-            <a:ext cx="1331651" cy="763480"/>
+            <a:off x="7323386" y="1212777"/>
+            <a:ext cx="906108" cy="416928"/>
           </a:xfrm>
           <a:prstGeom prst="rect">
             <a:avLst/>
@@ -4498,7 +4499,7 @@
           <a:p>
             <a:pPr algn="ctr"/>
             <a:r>
-              <a:rPr lang="pt-BR" dirty="0"/>
+              <a:rPr lang="pt-BR" sz="1200" dirty="0"/>
               <a:t>Texto-Avaliado</a:t>
             </a:r>
           </a:p>
@@ -4521,9 +4522,148 @@
           <p:nvPr/>
         </p:nvCxnSpPr>
         <p:spPr>
-          <a:xfrm>
-            <a:off x="6980811" y="2219415"/>
-            <a:ext cx="0" cy="2192786"/>
+          <a:xfrm flipH="1">
+            <a:off x="5658774" y="1629705"/>
+            <a:ext cx="8879" cy="1164058"/>
+          </a:xfrm>
+          <a:prstGeom prst="straightConnector1">
+            <a:avLst/>
+          </a:prstGeom>
+          <a:ln>
+            <a:solidFill>
+              <a:schemeClr val="tx1"/>
+            </a:solidFill>
+            <a:tailEnd type="triangle"/>
+          </a:ln>
+        </p:spPr>
+        <p:style>
+          <a:lnRef idx="2">
+            <a:schemeClr val="dk1"/>
+          </a:lnRef>
+          <a:fillRef idx="1">
+            <a:schemeClr val="lt1"/>
+          </a:fillRef>
+          <a:effectRef idx="0">
+            <a:schemeClr val="dk1"/>
+          </a:effectRef>
+          <a:fontRef idx="minor">
+            <a:schemeClr val="dk1"/>
+          </a:fontRef>
+        </p:style>
+      </p:cxnSp>
+      <p:sp>
+        <p:nvSpPr>
+          <p:cNvPr id="129" name="Retângulo 128">
+            <a:extLst>
+              <a:ext uri="{FF2B5EF4-FFF2-40B4-BE49-F238E27FC236}">
+                <a16:creationId xmlns:a16="http://schemas.microsoft.com/office/drawing/2014/main" id="{FC555BD4-6A86-4FBD-BC5C-DAEBCB9F65E8}"/>
+              </a:ext>
+            </a:extLst>
+          </p:cNvPr>
+          <p:cNvSpPr/>
+          <p:nvPr/>
+        </p:nvSpPr>
+        <p:spPr>
+          <a:xfrm>
+            <a:off x="7314507" y="1739773"/>
+            <a:ext cx="906108" cy="416928"/>
+          </a:xfrm>
+          <a:prstGeom prst="rect">
+            <a:avLst/>
+          </a:prstGeom>
+        </p:spPr>
+        <p:style>
+          <a:lnRef idx="2">
+            <a:schemeClr val="dk1"/>
+          </a:lnRef>
+          <a:fillRef idx="1">
+            <a:schemeClr val="lt1"/>
+          </a:fillRef>
+          <a:effectRef idx="0">
+            <a:schemeClr val="dk1"/>
+          </a:effectRef>
+          <a:fontRef idx="minor">
+            <a:schemeClr val="dk1"/>
+          </a:fontRef>
+        </p:style>
+        <p:txBody>
+          <a:bodyPr rtlCol="0" anchor="ctr"/>
+          <a:lstStyle/>
+          <a:p>
+            <a:pPr algn="ctr"/>
+            <a:r>
+              <a:rPr lang="pt-BR" sz="1200" dirty="0"/>
+              <a:t>KeyGraph</a:t>
+            </a:r>
+          </a:p>
+        </p:txBody>
+      </p:sp>
+      <p:sp>
+        <p:nvSpPr>
+          <p:cNvPr id="130" name="Retângulo 129">
+            <a:extLst>
+              <a:ext uri="{FF2B5EF4-FFF2-40B4-BE49-F238E27FC236}">
+                <a16:creationId xmlns:a16="http://schemas.microsoft.com/office/drawing/2014/main" id="{19D4F93A-6582-4674-A53E-5F9E1887C339}"/>
+              </a:ext>
+            </a:extLst>
+          </p:cNvPr>
+          <p:cNvSpPr/>
+          <p:nvPr/>
+        </p:nvSpPr>
+        <p:spPr>
+          <a:xfrm>
+            <a:off x="7314507" y="2266768"/>
+            <a:ext cx="906108" cy="416928"/>
+          </a:xfrm>
+          <a:prstGeom prst="rect">
+            <a:avLst/>
+          </a:prstGeom>
+        </p:spPr>
+        <p:style>
+          <a:lnRef idx="2">
+            <a:schemeClr val="dk1"/>
+          </a:lnRef>
+          <a:fillRef idx="1">
+            <a:schemeClr val="lt1"/>
+          </a:fillRef>
+          <a:effectRef idx="0">
+            <a:schemeClr val="dk1"/>
+          </a:effectRef>
+          <a:fontRef idx="minor">
+            <a:schemeClr val="dk1"/>
+          </a:fontRef>
+        </p:style>
+        <p:txBody>
+          <a:bodyPr rtlCol="0" anchor="ctr"/>
+          <a:lstStyle/>
+          <a:p>
+            <a:pPr algn="ctr"/>
+            <a:r>
+              <a:rPr lang="pt-BR" sz="1200" dirty="0"/>
+              <a:t>Palavras-Chave</a:t>
+            </a:r>
+          </a:p>
+        </p:txBody>
+      </p:sp>
+      <p:cxnSp>
+        <p:nvCxnSpPr>
+          <p:cNvPr id="131" name="Conector de Seta Reta 130">
+            <a:extLst>
+              <a:ext uri="{FF2B5EF4-FFF2-40B4-BE49-F238E27FC236}">
+                <a16:creationId xmlns:a16="http://schemas.microsoft.com/office/drawing/2014/main" id="{BE4B3DF2-DC66-4BF7-A2AC-395BC4169F13}"/>
+              </a:ext>
+            </a:extLst>
+          </p:cNvPr>
+          <p:cNvCxnSpPr>
+            <a:stCxn id="129" idx="2"/>
+            <a:endCxn id="130" idx="0"/>
+          </p:cNvCxnSpPr>
+          <p:nvPr/>
+        </p:nvCxnSpPr>
+        <p:spPr>
+          <a:xfrm>
+            <a:off x="7767561" y="2156701"/>
+            <a:ext cx="0" cy="110067"/>
           </a:xfrm>
           <a:prstGeom prst="straightConnector1">
             <a:avLst/>
@@ -4533,142 +4673,6 @@
           </a:ln>
         </p:spPr>
         <p:style>
-          <a:lnRef idx="2">
-            <a:schemeClr val="dk1"/>
-          </a:lnRef>
-          <a:fillRef idx="1">
-            <a:schemeClr val="lt1"/>
-          </a:fillRef>
-          <a:effectRef idx="0">
-            <a:schemeClr val="dk1"/>
-          </a:effectRef>
-          <a:fontRef idx="minor">
-            <a:schemeClr val="dk1"/>
-          </a:fontRef>
-        </p:style>
-      </p:cxnSp>
-      <p:sp>
-        <p:nvSpPr>
-          <p:cNvPr id="129" name="Retângulo 128">
-            <a:extLst>
-              <a:ext uri="{FF2B5EF4-FFF2-40B4-BE49-F238E27FC236}">
-                <a16:creationId xmlns:a16="http://schemas.microsoft.com/office/drawing/2014/main" id="{FC555BD4-6A86-4FBD-BC5C-DAEBCB9F65E8}"/>
-              </a:ext>
-            </a:extLst>
-          </p:cNvPr>
-          <p:cNvSpPr/>
-          <p:nvPr/>
-        </p:nvSpPr>
-        <p:spPr>
-          <a:xfrm>
-            <a:off x="9439927" y="2441357"/>
-            <a:ext cx="1331651" cy="763480"/>
-          </a:xfrm>
-          <a:prstGeom prst="rect">
-            <a:avLst/>
-          </a:prstGeom>
-        </p:spPr>
-        <p:style>
-          <a:lnRef idx="2">
-            <a:schemeClr val="dk1"/>
-          </a:lnRef>
-          <a:fillRef idx="1">
-            <a:schemeClr val="lt1"/>
-          </a:fillRef>
-          <a:effectRef idx="0">
-            <a:schemeClr val="dk1"/>
-          </a:effectRef>
-          <a:fontRef idx="minor">
-            <a:schemeClr val="dk1"/>
-          </a:fontRef>
-        </p:style>
-        <p:txBody>
-          <a:bodyPr rtlCol="0" anchor="ctr"/>
-          <a:lstStyle/>
-          <a:p>
-            <a:pPr algn="ctr"/>
-            <a:r>
-              <a:rPr lang="pt-BR" dirty="0"/>
-              <a:t>KeyGraph</a:t>
-            </a:r>
-          </a:p>
-        </p:txBody>
-      </p:sp>
-      <p:sp>
-        <p:nvSpPr>
-          <p:cNvPr id="130" name="Retângulo 129">
-            <a:extLst>
-              <a:ext uri="{FF2B5EF4-FFF2-40B4-BE49-F238E27FC236}">
-                <a16:creationId xmlns:a16="http://schemas.microsoft.com/office/drawing/2014/main" id="{19D4F93A-6582-4674-A53E-5F9E1887C339}"/>
-              </a:ext>
-            </a:extLst>
-          </p:cNvPr>
-          <p:cNvSpPr/>
-          <p:nvPr/>
-        </p:nvSpPr>
-        <p:spPr>
-          <a:xfrm>
-            <a:off x="9439927" y="3426779"/>
-            <a:ext cx="1331651" cy="763480"/>
-          </a:xfrm>
-          <a:prstGeom prst="rect">
-            <a:avLst/>
-          </a:prstGeom>
-        </p:spPr>
-        <p:style>
-          <a:lnRef idx="2">
-            <a:schemeClr val="dk1"/>
-          </a:lnRef>
-          <a:fillRef idx="1">
-            <a:schemeClr val="lt1"/>
-          </a:fillRef>
-          <a:effectRef idx="0">
-            <a:schemeClr val="dk1"/>
-          </a:effectRef>
-          <a:fontRef idx="minor">
-            <a:schemeClr val="dk1"/>
-          </a:fontRef>
-        </p:style>
-        <p:txBody>
-          <a:bodyPr rtlCol="0" anchor="ctr"/>
-          <a:lstStyle/>
-          <a:p>
-            <a:pPr algn="ctr"/>
-            <a:r>
-              <a:rPr lang="pt-BR" dirty="0"/>
-              <a:t>Palavras-Chave</a:t>
-            </a:r>
-          </a:p>
-        </p:txBody>
-      </p:sp>
-      <p:cxnSp>
-        <p:nvCxnSpPr>
-          <p:cNvPr id="131" name="Conector de Seta Reta 130">
-            <a:extLst>
-              <a:ext uri="{FF2B5EF4-FFF2-40B4-BE49-F238E27FC236}">
-                <a16:creationId xmlns:a16="http://schemas.microsoft.com/office/drawing/2014/main" id="{BE4B3DF2-DC66-4BF7-A2AC-395BC4169F13}"/>
-              </a:ext>
-            </a:extLst>
-          </p:cNvPr>
-          <p:cNvCxnSpPr>
-            <a:stCxn id="129" idx="2"/>
-            <a:endCxn id="130" idx="0"/>
-          </p:cNvCxnSpPr>
-          <p:nvPr/>
-        </p:nvCxnSpPr>
-        <p:spPr>
-          <a:xfrm>
-            <a:off x="10105753" y="3204837"/>
-            <a:ext cx="0" cy="221942"/>
-          </a:xfrm>
-          <a:prstGeom prst="straightConnector1">
-            <a:avLst/>
-          </a:prstGeom>
-          <a:ln>
-            <a:tailEnd type="triangle"/>
-          </a:ln>
-        </p:spPr>
-        <p:style>
           <a:lnRef idx="1">
             <a:schemeClr val="dk1"/>
           </a:lnRef>
@@ -4697,8 +4701,8 @@
         </p:nvSpPr>
         <p:spPr>
           <a:xfrm>
-            <a:off x="9448806" y="466070"/>
-            <a:ext cx="1331651" cy="763480"/>
+            <a:off x="7323386" y="708237"/>
+            <a:ext cx="906108" cy="416928"/>
           </a:xfrm>
           <a:prstGeom prst="rect">
             <a:avLst/>
@@ -4724,7 +4728,7 @@
           <a:p>
             <a:pPr algn="ctr"/>
             <a:r>
-              <a:rPr lang="pt-BR" dirty="0"/>
+              <a:rPr lang="pt-BR" sz="1200" dirty="0"/>
               <a:t>Artigo</a:t>
             </a:r>
           </a:p>
@@ -4748,8 +4752,8 @@
         </p:nvCxnSpPr>
         <p:spPr>
           <a:xfrm>
-            <a:off x="10114632" y="1229550"/>
-            <a:ext cx="0" cy="226385"/>
+            <a:off x="7776440" y="1125165"/>
+            <a:ext cx="0" cy="87612"/>
           </a:xfrm>
           <a:prstGeom prst="straightConnector1">
             <a:avLst/>
@@ -4790,8 +4794,8 @@
         </p:nvCxnSpPr>
         <p:spPr>
           <a:xfrm flipH="1">
-            <a:off x="9200225" y="1837675"/>
-            <a:ext cx="248581" cy="0"/>
+            <a:off x="7166219" y="1421241"/>
+            <a:ext cx="157167" cy="0"/>
           </a:xfrm>
           <a:prstGeom prst="straightConnector1">
             <a:avLst/>
@@ -4833,8 +4837,8 @@
         </p:nvCxnSpPr>
         <p:spPr>
           <a:xfrm>
-            <a:off x="9209107" y="2823097"/>
-            <a:ext cx="230820" cy="0"/>
+            <a:off x="7175101" y="1948237"/>
+            <a:ext cx="139406" cy="0"/>
           </a:xfrm>
           <a:prstGeom prst="straightConnector1">
             <a:avLst/>
@@ -4875,8 +4879,8 @@
         </p:nvCxnSpPr>
         <p:spPr>
           <a:xfrm>
-            <a:off x="10105753" y="4190259"/>
-            <a:ext cx="8879" cy="221942"/>
+            <a:off x="7767561" y="2683696"/>
+            <a:ext cx="0" cy="110067"/>
           </a:xfrm>
           <a:prstGeom prst="straightConnector1">
             <a:avLst/>
@@ -4917,8 +4921,8 @@
         </p:nvCxnSpPr>
         <p:spPr>
           <a:xfrm rot="10800000" flipV="1">
-            <a:off x="8528486" y="4793941"/>
-            <a:ext cx="920321" cy="608124"/>
+            <a:off x="6713165" y="3002227"/>
+            <a:ext cx="601342" cy="278392"/>
           </a:xfrm>
           <a:prstGeom prst="bentConnector2">
             <a:avLst/>
@@ -4959,8 +4963,8 @@
         </p:nvCxnSpPr>
         <p:spPr>
           <a:xfrm>
-            <a:off x="7646636" y="4793941"/>
-            <a:ext cx="881849" cy="608124"/>
+            <a:off x="6111828" y="3002227"/>
+            <a:ext cx="601337" cy="278392"/>
           </a:xfrm>
           <a:prstGeom prst="bentConnector2">
             <a:avLst/>
